--- a/Presentaton slide/Final Presentation.pptx
+++ b/Presentaton slide/Final Presentation.pptx
@@ -350,7 +350,7 @@
           <a:p>
             <a:fld id="{D140825E-4A15-4D39-8176-1F07E904CB30}" type="datetimeFigureOut">
               <a:rPr lang="en-US" smtClean="0"/>
-              <a:t>29/10/2013</a:t>
+              <a:t>4/11/2013</a:t>
             </a:fld>
             <a:endParaRPr lang="en-US"/>
           </a:p>
@@ -441,7 +441,7 @@
           <a:p>
             <a:fld id="{D140825E-4A15-4D39-8176-1F07E904CB30}" type="datetimeFigureOut">
               <a:rPr lang="en-US" smtClean="0"/>
-              <a:t>29/10/2013</a:t>
+              <a:t>4/11/2013</a:t>
             </a:fld>
             <a:endParaRPr lang="en-US"/>
           </a:p>
@@ -744,7 +744,7 @@
           <a:p>
             <a:fld id="{D140825E-4A15-4D39-8176-1F07E904CB30}" type="datetimeFigureOut">
               <a:rPr lang="en-US" smtClean="0"/>
-              <a:t>29/10/2013</a:t>
+              <a:t>4/11/2013</a:t>
             </a:fld>
             <a:endParaRPr lang="en-US"/>
           </a:p>
@@ -965,7 +965,7 @@
           <a:p>
             <a:fld id="{D140825E-4A15-4D39-8176-1F07E904CB30}" type="datetimeFigureOut">
               <a:rPr lang="en-US" smtClean="0"/>
-              <a:t>29/10/2013</a:t>
+              <a:t>4/11/2013</a:t>
             </a:fld>
             <a:endParaRPr lang="en-US"/>
           </a:p>
@@ -1353,7 +1353,7 @@
           <a:p>
             <a:fld id="{D140825E-4A15-4D39-8176-1F07E904CB30}" type="datetimeFigureOut">
               <a:rPr lang="en-US" smtClean="0"/>
-              <a:t>29/10/2013</a:t>
+              <a:t>4/11/2013</a:t>
             </a:fld>
             <a:endParaRPr lang="en-US"/>
           </a:p>
@@ -1661,7 +1661,7 @@
           <a:p>
             <a:fld id="{D140825E-4A15-4D39-8176-1F07E904CB30}" type="datetimeFigureOut">
               <a:rPr lang="en-US" smtClean="0"/>
-              <a:t>29/10/2013</a:t>
+              <a:t>4/11/2013</a:t>
             </a:fld>
             <a:endParaRPr lang="en-US"/>
           </a:p>
@@ -1859,7 +1859,7 @@
           <a:p>
             <a:fld id="{D140825E-4A15-4D39-8176-1F07E904CB30}" type="datetimeFigureOut">
               <a:rPr lang="en-US" smtClean="0"/>
-              <a:t>29/10/2013</a:t>
+              <a:t>4/11/2013</a:t>
             </a:fld>
             <a:endParaRPr lang="en-US"/>
           </a:p>
@@ -2062,7 +2062,7 @@
           <a:p>
             <a:fld id="{D140825E-4A15-4D39-8176-1F07E904CB30}" type="datetimeFigureOut">
               <a:rPr lang="en-US" smtClean="0"/>
-              <a:t>29/10/2013</a:t>
+              <a:t>4/11/2013</a:t>
             </a:fld>
             <a:endParaRPr lang="en-US"/>
           </a:p>
@@ -2255,7 +2255,7 @@
           <a:p>
             <a:fld id="{D140825E-4A15-4D39-8176-1F07E904CB30}" type="datetimeFigureOut">
               <a:rPr lang="en-US" smtClean="0"/>
-              <a:t>29/10/2013</a:t>
+              <a:t>4/11/2013</a:t>
             </a:fld>
             <a:endParaRPr lang="en-US"/>
           </a:p>
@@ -2527,7 +2527,7 @@
           <a:p>
             <a:fld id="{D140825E-4A15-4D39-8176-1F07E904CB30}" type="datetimeFigureOut">
               <a:rPr lang="en-US" smtClean="0"/>
-              <a:t>29/10/2013</a:t>
+              <a:t>4/11/2013</a:t>
             </a:fld>
             <a:endParaRPr lang="en-US"/>
           </a:p>
@@ -2838,7 +2838,7 @@
           <a:p>
             <a:fld id="{D140825E-4A15-4D39-8176-1F07E904CB30}" type="datetimeFigureOut">
               <a:rPr lang="en-US" smtClean="0"/>
-              <a:t>29/10/2013</a:t>
+              <a:t>4/11/2013</a:t>
             </a:fld>
             <a:endParaRPr lang="en-US"/>
           </a:p>
@@ -3304,7 +3304,7 @@
           <a:p>
             <a:fld id="{D140825E-4A15-4D39-8176-1F07E904CB30}" type="datetimeFigureOut">
               <a:rPr lang="en-US" smtClean="0"/>
-              <a:t>29/10/2013</a:t>
+              <a:t>4/11/2013</a:t>
             </a:fld>
             <a:endParaRPr lang="en-US"/>
           </a:p>
@@ -3668,7 +3668,7 @@
           <a:p>
             <a:fld id="{D140825E-4A15-4D39-8176-1F07E904CB30}" type="datetimeFigureOut">
               <a:rPr lang="en-US" smtClean="0"/>
-              <a:t>29/10/2013</a:t>
+              <a:t>4/11/2013</a:t>
             </a:fld>
             <a:endParaRPr lang="en-US"/>
           </a:p>
@@ -3979,7 +3979,7 @@
           <a:p>
             <a:fld id="{D140825E-4A15-4D39-8176-1F07E904CB30}" type="datetimeFigureOut">
               <a:rPr lang="en-US" smtClean="0"/>
-              <a:t>29/10/2013</a:t>
+              <a:t>4/11/2013</a:t>
             </a:fld>
             <a:endParaRPr lang="en-US"/>
           </a:p>
@@ -4290,7 +4290,7 @@
           <a:p>
             <a:fld id="{D140825E-4A15-4D39-8176-1F07E904CB30}" type="datetimeFigureOut">
               <a:rPr lang="en-US" smtClean="0"/>
-              <a:t>29/10/2013</a:t>
+              <a:t>4/11/2013</a:t>
             </a:fld>
             <a:endParaRPr lang="en-US"/>
           </a:p>
@@ -4775,7 +4775,7 @@
           <a:p>
             <a:fld id="{D140825E-4A15-4D39-8176-1F07E904CB30}" type="datetimeFigureOut">
               <a:rPr lang="en-US" smtClean="0"/>
-              <a:t>29/10/2013</a:t>
+              <a:t>4/11/2013</a:t>
             </a:fld>
             <a:endParaRPr lang="en-US"/>
           </a:p>
@@ -5038,7 +5038,7 @@
           <a:p>
             <a:fld id="{D140825E-4A15-4D39-8176-1F07E904CB30}" type="datetimeFigureOut">
               <a:rPr lang="en-US" smtClean="0"/>
-              <a:t>29/10/2013</a:t>
+              <a:t>4/11/2013</a:t>
             </a:fld>
             <a:endParaRPr lang="en-US"/>
           </a:p>
@@ -5447,7 +5447,7 @@
           <a:bodyPr/>
           <a:lstStyle/>
           <a:p>
-            <a:endParaRPr lang="en-US"/>
+            <a:endParaRPr lang="en-US" dirty="0"/>
           </a:p>
         </p:txBody>
       </p:sp>
@@ -6136,7 +6136,6 @@
               <a:rPr lang="en-US" dirty="0" smtClean="0"/>
               <a:t>Our Developed Software</a:t>
             </a:r>
-            <a:endParaRPr lang="en-US" dirty="0" smtClean="0"/>
           </a:p>
         </p:txBody>
       </p:sp>

--- a/Presentaton slide/Final Presentation.pptx
+++ b/Presentaton slide/Final Presentation.pptx
@@ -14,6 +14,7 @@
     <p:sldId id="264" r:id="rId8"/>
     <p:sldId id="262" r:id="rId9"/>
     <p:sldId id="263" r:id="rId10"/>
+    <p:sldId id="265" r:id="rId11"/>
   </p:sldIdLst>
   <p:sldSz cx="9144000" cy="6858000" type="screen4x3"/>
   <p:notesSz cx="6858000" cy="9144000"/>
@@ -350,7 +351,7 @@
           <a:p>
             <a:fld id="{D140825E-4A15-4D39-8176-1F07E904CB30}" type="datetimeFigureOut">
               <a:rPr lang="en-US" smtClean="0"/>
-              <a:t>4/11/2013</a:t>
+              <a:t>5/11/2013</a:t>
             </a:fld>
             <a:endParaRPr lang="en-US"/>
           </a:p>
@@ -441,7 +442,7 @@
           <a:p>
             <a:fld id="{D140825E-4A15-4D39-8176-1F07E904CB30}" type="datetimeFigureOut">
               <a:rPr lang="en-US" smtClean="0"/>
-              <a:t>4/11/2013</a:t>
+              <a:t>5/11/2013</a:t>
             </a:fld>
             <a:endParaRPr lang="en-US"/>
           </a:p>
@@ -744,7 +745,7 @@
           <a:p>
             <a:fld id="{D140825E-4A15-4D39-8176-1F07E904CB30}" type="datetimeFigureOut">
               <a:rPr lang="en-US" smtClean="0"/>
-              <a:t>4/11/2013</a:t>
+              <a:t>5/11/2013</a:t>
             </a:fld>
             <a:endParaRPr lang="en-US"/>
           </a:p>
@@ -965,7 +966,7 @@
           <a:p>
             <a:fld id="{D140825E-4A15-4D39-8176-1F07E904CB30}" type="datetimeFigureOut">
               <a:rPr lang="en-US" smtClean="0"/>
-              <a:t>4/11/2013</a:t>
+              <a:t>5/11/2013</a:t>
             </a:fld>
             <a:endParaRPr lang="en-US"/>
           </a:p>
@@ -1353,7 +1354,7 @@
           <a:p>
             <a:fld id="{D140825E-4A15-4D39-8176-1F07E904CB30}" type="datetimeFigureOut">
               <a:rPr lang="en-US" smtClean="0"/>
-              <a:t>4/11/2013</a:t>
+              <a:t>5/11/2013</a:t>
             </a:fld>
             <a:endParaRPr lang="en-US"/>
           </a:p>
@@ -1661,7 +1662,7 @@
           <a:p>
             <a:fld id="{D140825E-4A15-4D39-8176-1F07E904CB30}" type="datetimeFigureOut">
               <a:rPr lang="en-US" smtClean="0"/>
-              <a:t>4/11/2013</a:t>
+              <a:t>5/11/2013</a:t>
             </a:fld>
             <a:endParaRPr lang="en-US"/>
           </a:p>
@@ -1859,7 +1860,7 @@
           <a:p>
             <a:fld id="{D140825E-4A15-4D39-8176-1F07E904CB30}" type="datetimeFigureOut">
               <a:rPr lang="en-US" smtClean="0"/>
-              <a:t>4/11/2013</a:t>
+              <a:t>5/11/2013</a:t>
             </a:fld>
             <a:endParaRPr lang="en-US"/>
           </a:p>
@@ -2062,7 +2063,7 @@
           <a:p>
             <a:fld id="{D140825E-4A15-4D39-8176-1F07E904CB30}" type="datetimeFigureOut">
               <a:rPr lang="en-US" smtClean="0"/>
-              <a:t>4/11/2013</a:t>
+              <a:t>5/11/2013</a:t>
             </a:fld>
             <a:endParaRPr lang="en-US"/>
           </a:p>
@@ -2255,7 +2256,7 @@
           <a:p>
             <a:fld id="{D140825E-4A15-4D39-8176-1F07E904CB30}" type="datetimeFigureOut">
               <a:rPr lang="en-US" smtClean="0"/>
-              <a:t>4/11/2013</a:t>
+              <a:t>5/11/2013</a:t>
             </a:fld>
             <a:endParaRPr lang="en-US"/>
           </a:p>
@@ -2527,7 +2528,7 @@
           <a:p>
             <a:fld id="{D140825E-4A15-4D39-8176-1F07E904CB30}" type="datetimeFigureOut">
               <a:rPr lang="en-US" smtClean="0"/>
-              <a:t>4/11/2013</a:t>
+              <a:t>5/11/2013</a:t>
             </a:fld>
             <a:endParaRPr lang="en-US"/>
           </a:p>
@@ -2838,7 +2839,7 @@
           <a:p>
             <a:fld id="{D140825E-4A15-4D39-8176-1F07E904CB30}" type="datetimeFigureOut">
               <a:rPr lang="en-US" smtClean="0"/>
-              <a:t>4/11/2013</a:t>
+              <a:t>5/11/2013</a:t>
             </a:fld>
             <a:endParaRPr lang="en-US"/>
           </a:p>
@@ -3304,7 +3305,7 @@
           <a:p>
             <a:fld id="{D140825E-4A15-4D39-8176-1F07E904CB30}" type="datetimeFigureOut">
               <a:rPr lang="en-US" smtClean="0"/>
-              <a:t>4/11/2013</a:t>
+              <a:t>5/11/2013</a:t>
             </a:fld>
             <a:endParaRPr lang="en-US"/>
           </a:p>
@@ -3668,7 +3669,7 @@
           <a:p>
             <a:fld id="{D140825E-4A15-4D39-8176-1F07E904CB30}" type="datetimeFigureOut">
               <a:rPr lang="en-US" smtClean="0"/>
-              <a:t>4/11/2013</a:t>
+              <a:t>5/11/2013</a:t>
             </a:fld>
             <a:endParaRPr lang="en-US"/>
           </a:p>
@@ -3979,7 +3980,7 @@
           <a:p>
             <a:fld id="{D140825E-4A15-4D39-8176-1F07E904CB30}" type="datetimeFigureOut">
               <a:rPr lang="en-US" smtClean="0"/>
-              <a:t>4/11/2013</a:t>
+              <a:t>5/11/2013</a:t>
             </a:fld>
             <a:endParaRPr lang="en-US"/>
           </a:p>
@@ -4290,7 +4291,7 @@
           <a:p>
             <a:fld id="{D140825E-4A15-4D39-8176-1F07E904CB30}" type="datetimeFigureOut">
               <a:rPr lang="en-US" smtClean="0"/>
-              <a:t>4/11/2013</a:t>
+              <a:t>5/11/2013</a:t>
             </a:fld>
             <a:endParaRPr lang="en-US"/>
           </a:p>
@@ -4775,7 +4776,7 @@
           <a:p>
             <a:fld id="{D140825E-4A15-4D39-8176-1F07E904CB30}" type="datetimeFigureOut">
               <a:rPr lang="en-US" smtClean="0"/>
-              <a:t>4/11/2013</a:t>
+              <a:t>5/11/2013</a:t>
             </a:fld>
             <a:endParaRPr lang="en-US"/>
           </a:p>
@@ -5038,7 +5039,7 @@
           <a:p>
             <a:fld id="{D140825E-4A15-4D39-8176-1F07E904CB30}" type="datetimeFigureOut">
               <a:rPr lang="en-US" smtClean="0"/>
-              <a:t>4/11/2013</a:t>
+              <a:t>5/11/2013</a:t>
             </a:fld>
             <a:endParaRPr lang="en-US"/>
           </a:p>
@@ -5464,6 +5465,93 @@
 </p:sld>
 </file>
 
+<file path=ppt/slides/slide10.xml><?xml version="1.0" encoding="utf-8"?>
+<p:sld xmlns:a="http://schemas.openxmlformats.org/drawingml/2006/main" xmlns:r="http://schemas.openxmlformats.org/officeDocument/2006/relationships" xmlns:p="http://schemas.openxmlformats.org/presentationml/2006/main">
+  <p:cSld>
+    <p:spTree>
+      <p:nvGrpSpPr>
+        <p:cNvPr id="1" name=""/>
+        <p:cNvGrpSpPr/>
+        <p:nvPr/>
+      </p:nvGrpSpPr>
+      <p:grpSpPr>
+        <a:xfrm>
+          <a:off x="0" y="0"/>
+          <a:ext cx="0" cy="0"/>
+          <a:chOff x="0" y="0"/>
+          <a:chExt cx="0" cy="0"/>
+        </a:xfrm>
+      </p:grpSpPr>
+      <p:sp>
+        <p:nvSpPr>
+          <p:cNvPr id="2" name="Title 1"/>
+          <p:cNvSpPr>
+            <a:spLocks noGrp="1"/>
+          </p:cNvSpPr>
+          <p:nvPr>
+            <p:ph type="title"/>
+          </p:nvPr>
+        </p:nvSpPr>
+        <p:spPr/>
+        <p:txBody>
+          <a:bodyPr/>
+          <a:lstStyle/>
+          <a:p>
+            <a:r>
+              <a:rPr lang="en-US" dirty="0" smtClean="0"/>
+              <a:t>Thanks go to</a:t>
+            </a:r>
+            <a:endParaRPr lang="en-US" dirty="0"/>
+          </a:p>
+        </p:txBody>
+      </p:sp>
+      <p:sp>
+        <p:nvSpPr>
+          <p:cNvPr id="3" name="Content Placeholder 2"/>
+          <p:cNvSpPr>
+            <a:spLocks noGrp="1"/>
+          </p:cNvSpPr>
+          <p:nvPr>
+            <p:ph idx="1"/>
+          </p:nvPr>
+        </p:nvSpPr>
+        <p:spPr/>
+        <p:txBody>
+          <a:bodyPr/>
+          <a:lstStyle/>
+          <a:p>
+            <a:r>
+              <a:rPr lang="en-US" dirty="0" smtClean="0"/>
+              <a:t>Philip Michael</a:t>
+            </a:r>
+          </a:p>
+          <a:p>
+            <a:r>
+              <a:rPr lang="en-US" dirty="0" smtClean="0"/>
+              <a:t>Mark Schier</a:t>
+            </a:r>
+          </a:p>
+          <a:p>
+            <a:r>
+              <a:rPr lang="en-US" dirty="0" smtClean="0"/>
+              <a:t>Caslon Chua</a:t>
+            </a:r>
+          </a:p>
+        </p:txBody>
+      </p:sp>
+    </p:spTree>
+    <p:extLst>
+      <p:ext uri="{BB962C8B-B14F-4D97-AF65-F5344CB8AC3E}">
+        <p14:creationId xmlns:p14="http://schemas.microsoft.com/office/powerpoint/2010/main" val="2433178405"/>
+      </p:ext>
+    </p:extLst>
+  </p:cSld>
+  <p:clrMapOvr>
+    <a:masterClrMapping/>
+  </p:clrMapOvr>
+</p:sld>
+</file>
+
 <file path=ppt/slides/slide2.xml><?xml version="1.0" encoding="utf-8"?>
 <p:sld xmlns:a="http://schemas.openxmlformats.org/drawingml/2006/main" xmlns:r="http://schemas.openxmlformats.org/officeDocument/2006/relationships" xmlns:p="http://schemas.openxmlformats.org/presentationml/2006/main">
   <p:cSld>
@@ -5516,13 +5604,27 @@
         </p:nvSpPr>
         <p:spPr/>
         <p:txBody>
-          <a:bodyPr/>
+          <a:bodyPr>
+            <a:normAutofit fontScale="92500" lnSpcReduction="10000"/>
+          </a:bodyPr>
           <a:lstStyle/>
           <a:p>
             <a:r>
               <a:rPr lang="en-US" dirty="0" smtClean="0"/>
-              <a:t>Joshua Stopper</a:t>
-            </a:r>
+              <a:t>Joshua </a:t>
+            </a:r>
+            <a:r>
+              <a:rPr lang="en-US" dirty="0" smtClean="0"/>
+              <a:t>Stopper</a:t>
+            </a:r>
+          </a:p>
+          <a:p>
+            <a:pPr lvl="1"/>
+            <a:r>
+              <a:rPr lang="en-US" dirty="0" smtClean="0"/>
+              <a:t>Team Leader, Programmer, Client Contact</a:t>
+            </a:r>
+            <a:endParaRPr lang="en-US" dirty="0" smtClean="0"/>
           </a:p>
           <a:p>
             <a:r>
@@ -5531,18 +5633,66 @@
                   <a:srgbClr val="FFFFFF"/>
                 </a:solidFill>
               </a:rPr>
-              <a:t>Daniel Corsaletti</a:t>
-            </a:r>
-          </a:p>
-          <a:p>
+              <a:t>Daniel </a:t>
+            </a:r>
             <a:r>
               <a:rPr lang="en-US" altLang="zh-CN" dirty="0" smtClean="0">
                 <a:solidFill>
                   <a:srgbClr val="FFFFFF"/>
                 </a:solidFill>
               </a:rPr>
-              <a:t>Shengwei LI</a:t>
-            </a:r>
+              <a:t>Corsaletti</a:t>
+            </a:r>
+          </a:p>
+          <a:p>
+            <a:pPr lvl="1"/>
+            <a:r>
+              <a:rPr lang="en-US" altLang="zh-CN" dirty="0" smtClean="0">
+                <a:solidFill>
+                  <a:srgbClr val="FFFFFF"/>
+                </a:solidFill>
+              </a:rPr>
+              <a:t>Meeting Documenter, Team Support, Lead Tester</a:t>
+            </a:r>
+            <a:endParaRPr lang="en-US" altLang="zh-CN" dirty="0" smtClean="0">
+              <a:solidFill>
+                <a:srgbClr val="FFFFFF"/>
+              </a:solidFill>
+            </a:endParaRPr>
+          </a:p>
+          <a:p>
+            <a:r>
+              <a:rPr lang="en-US" altLang="zh-CN" dirty="0" smtClean="0">
+                <a:solidFill>
+                  <a:srgbClr val="FFFFFF"/>
+                </a:solidFill>
+              </a:rPr>
+              <a:t>Shengwei </a:t>
+            </a:r>
+            <a:r>
+              <a:rPr lang="en-US" altLang="zh-CN" dirty="0" smtClean="0">
+                <a:solidFill>
+                  <a:srgbClr val="FFFFFF"/>
+                </a:solidFill>
+              </a:rPr>
+              <a:t>LI</a:t>
+            </a:r>
+          </a:p>
+          <a:p>
+            <a:pPr lvl="1"/>
+            <a:r>
+              <a:rPr lang="en-US" altLang="zh-CN" dirty="0" smtClean="0">
+                <a:solidFill>
+                  <a:srgbClr val="FFFFFF"/>
+                </a:solidFill>
+              </a:rPr>
+              <a:t>Lead Documenter</a:t>
+            </a:r>
+            <a:endParaRPr lang="en-US" altLang="zh-CN" dirty="0" smtClean="0">
+              <a:solidFill>
+                <a:srgbClr val="FFFFFF"/>
+              </a:solidFill>
+            </a:endParaRPr>
           </a:p>
           <a:p>
             <a:r>
@@ -5571,6 +5721,22 @@
             </a:r>
           </a:p>
           <a:p>
+            <a:pPr lvl="1"/>
+            <a:r>
+              <a:rPr lang="en-US" altLang="zh-CN" dirty="0" smtClean="0">
+                <a:solidFill>
+                  <a:srgbClr val="FFFFFF"/>
+                </a:solidFill>
+              </a:rPr>
+              <a:t>Support Programmer</a:t>
+            </a:r>
+            <a:endParaRPr lang="en-US" altLang="zh-CN" dirty="0" smtClean="0">
+              <a:solidFill>
+                <a:srgbClr val="FFFFFF"/>
+              </a:solidFill>
+            </a:endParaRPr>
+          </a:p>
+          <a:p>
             <a:r>
               <a:rPr lang="en-US" altLang="zh-CN" dirty="0" smtClean="0">
                 <a:solidFill>
@@ -5594,6 +5760,27 @@
                 </a:solidFill>
               </a:rPr>
               <a:t>Tran</a:t>
+            </a:r>
+          </a:p>
+          <a:p>
+            <a:pPr lvl="1"/>
+            <a:r>
+              <a:rPr lang="en-US" dirty="0" smtClean="0">
+                <a:ln w="0">
+                  <a:noFill/>
+                </a:ln>
+                <a:solidFill>
+                  <a:srgbClr val="FFFFFF"/>
+                </a:solidFill>
+                <a:effectLst>
+                  <a:outerShdw blurRad="38100" sx="102000" sy="102000" algn="ctr" rotWithShape="0">
+                    <a:prstClr val="black">
+                      <a:alpha val="65000"/>
+                    </a:prstClr>
+                  </a:outerShdw>
+                </a:effectLst>
+              </a:rPr>
+              <a:t>Support Documenter</a:t>
             </a:r>
             <a:endParaRPr lang="en-US" dirty="0">
               <a:ln w="0">

--- a/Presentaton slide/Final Presentation.pptx
+++ b/Presentaton slide/Final Presentation.pptx
@@ -12,9 +12,12 @@
     <p:sldId id="260" r:id="rId6"/>
     <p:sldId id="261" r:id="rId7"/>
     <p:sldId id="264" r:id="rId8"/>
-    <p:sldId id="262" r:id="rId9"/>
-    <p:sldId id="263" r:id="rId10"/>
-    <p:sldId id="265" r:id="rId11"/>
+    <p:sldId id="266" r:id="rId9"/>
+    <p:sldId id="267" r:id="rId10"/>
+    <p:sldId id="268" r:id="rId11"/>
+    <p:sldId id="262" r:id="rId12"/>
+    <p:sldId id="263" r:id="rId13"/>
+    <p:sldId id="265" r:id="rId14"/>
   </p:sldIdLst>
   <p:sldSz cx="9144000" cy="6858000" type="screen4x3"/>
   <p:notesSz cx="6858000" cy="9144000"/>
@@ -351,7 +354,7 @@
           <a:p>
             <a:fld id="{D140825E-4A15-4D39-8176-1F07E904CB30}" type="datetimeFigureOut">
               <a:rPr lang="en-US" smtClean="0"/>
-              <a:t>5/11/2013</a:t>
+              <a:t>11/6/2013</a:t>
             </a:fld>
             <a:endParaRPr lang="en-US"/>
           </a:p>
@@ -442,7 +445,7 @@
           <a:p>
             <a:fld id="{D140825E-4A15-4D39-8176-1F07E904CB30}" type="datetimeFigureOut">
               <a:rPr lang="en-US" smtClean="0"/>
-              <a:t>5/11/2013</a:t>
+              <a:t>11/6/2013</a:t>
             </a:fld>
             <a:endParaRPr lang="en-US"/>
           </a:p>
@@ -745,7 +748,7 @@
           <a:p>
             <a:fld id="{D140825E-4A15-4D39-8176-1F07E904CB30}" type="datetimeFigureOut">
               <a:rPr lang="en-US" smtClean="0"/>
-              <a:t>5/11/2013</a:t>
+              <a:t>11/6/2013</a:t>
             </a:fld>
             <a:endParaRPr lang="en-US"/>
           </a:p>
@@ -966,7 +969,7 @@
           <a:p>
             <a:fld id="{D140825E-4A15-4D39-8176-1F07E904CB30}" type="datetimeFigureOut">
               <a:rPr lang="en-US" smtClean="0"/>
-              <a:t>5/11/2013</a:t>
+              <a:t>11/6/2013</a:t>
             </a:fld>
             <a:endParaRPr lang="en-US"/>
           </a:p>
@@ -1354,7 +1357,7 @@
           <a:p>
             <a:fld id="{D140825E-4A15-4D39-8176-1F07E904CB30}" type="datetimeFigureOut">
               <a:rPr lang="en-US" smtClean="0"/>
-              <a:t>5/11/2013</a:t>
+              <a:t>11/6/2013</a:t>
             </a:fld>
             <a:endParaRPr lang="en-US"/>
           </a:p>
@@ -1662,7 +1665,7 @@
           <a:p>
             <a:fld id="{D140825E-4A15-4D39-8176-1F07E904CB30}" type="datetimeFigureOut">
               <a:rPr lang="en-US" smtClean="0"/>
-              <a:t>5/11/2013</a:t>
+              <a:t>11/6/2013</a:t>
             </a:fld>
             <a:endParaRPr lang="en-US"/>
           </a:p>
@@ -1860,7 +1863,7 @@
           <a:p>
             <a:fld id="{D140825E-4A15-4D39-8176-1F07E904CB30}" type="datetimeFigureOut">
               <a:rPr lang="en-US" smtClean="0"/>
-              <a:t>5/11/2013</a:t>
+              <a:t>11/6/2013</a:t>
             </a:fld>
             <a:endParaRPr lang="en-US"/>
           </a:p>
@@ -2063,7 +2066,7 @@
           <a:p>
             <a:fld id="{D140825E-4A15-4D39-8176-1F07E904CB30}" type="datetimeFigureOut">
               <a:rPr lang="en-US" smtClean="0"/>
-              <a:t>5/11/2013</a:t>
+              <a:t>11/6/2013</a:t>
             </a:fld>
             <a:endParaRPr lang="en-US"/>
           </a:p>
@@ -2256,7 +2259,7 @@
           <a:p>
             <a:fld id="{D140825E-4A15-4D39-8176-1F07E904CB30}" type="datetimeFigureOut">
               <a:rPr lang="en-US" smtClean="0"/>
-              <a:t>5/11/2013</a:t>
+              <a:t>11/6/2013</a:t>
             </a:fld>
             <a:endParaRPr lang="en-US"/>
           </a:p>
@@ -2528,7 +2531,7 @@
           <a:p>
             <a:fld id="{D140825E-4A15-4D39-8176-1F07E904CB30}" type="datetimeFigureOut">
               <a:rPr lang="en-US" smtClean="0"/>
-              <a:t>5/11/2013</a:t>
+              <a:t>11/6/2013</a:t>
             </a:fld>
             <a:endParaRPr lang="en-US"/>
           </a:p>
@@ -2839,7 +2842,7 @@
           <a:p>
             <a:fld id="{D140825E-4A15-4D39-8176-1F07E904CB30}" type="datetimeFigureOut">
               <a:rPr lang="en-US" smtClean="0"/>
-              <a:t>5/11/2013</a:t>
+              <a:t>11/6/2013</a:t>
             </a:fld>
             <a:endParaRPr lang="en-US"/>
           </a:p>
@@ -3305,7 +3308,7 @@
           <a:p>
             <a:fld id="{D140825E-4A15-4D39-8176-1F07E904CB30}" type="datetimeFigureOut">
               <a:rPr lang="en-US" smtClean="0"/>
-              <a:t>5/11/2013</a:t>
+              <a:t>11/6/2013</a:t>
             </a:fld>
             <a:endParaRPr lang="en-US"/>
           </a:p>
@@ -3669,7 +3672,7 @@
           <a:p>
             <a:fld id="{D140825E-4A15-4D39-8176-1F07E904CB30}" type="datetimeFigureOut">
               <a:rPr lang="en-US" smtClean="0"/>
-              <a:t>5/11/2013</a:t>
+              <a:t>11/6/2013</a:t>
             </a:fld>
             <a:endParaRPr lang="en-US"/>
           </a:p>
@@ -3980,7 +3983,7 @@
           <a:p>
             <a:fld id="{D140825E-4A15-4D39-8176-1F07E904CB30}" type="datetimeFigureOut">
               <a:rPr lang="en-US" smtClean="0"/>
-              <a:t>5/11/2013</a:t>
+              <a:t>11/6/2013</a:t>
             </a:fld>
             <a:endParaRPr lang="en-US"/>
           </a:p>
@@ -4291,7 +4294,7 @@
           <a:p>
             <a:fld id="{D140825E-4A15-4D39-8176-1F07E904CB30}" type="datetimeFigureOut">
               <a:rPr lang="en-US" smtClean="0"/>
-              <a:t>5/11/2013</a:t>
+              <a:t>11/6/2013</a:t>
             </a:fld>
             <a:endParaRPr lang="en-US"/>
           </a:p>
@@ -4776,7 +4779,7 @@
           <a:p>
             <a:fld id="{D140825E-4A15-4D39-8176-1F07E904CB30}" type="datetimeFigureOut">
               <a:rPr lang="en-US" smtClean="0"/>
-              <a:t>5/11/2013</a:t>
+              <a:t>11/6/2013</a:t>
             </a:fld>
             <a:endParaRPr lang="en-US"/>
           </a:p>
@@ -5039,7 +5042,7 @@
           <a:p>
             <a:fld id="{D140825E-4A15-4D39-8176-1F07E904CB30}" type="datetimeFigureOut">
               <a:rPr lang="en-US" smtClean="0"/>
-              <a:t>5/11/2013</a:t>
+              <a:t>11/6/2013</a:t>
             </a:fld>
             <a:endParaRPr lang="en-US"/>
           </a:p>
@@ -5420,16 +5423,26 @@
             <p:ph type="ctrTitle"/>
           </p:nvPr>
         </p:nvSpPr>
-        <p:spPr/>
-        <p:txBody>
-          <a:bodyPr/>
-          <a:lstStyle/>
-          <a:p>
-            <a:r>
-              <a:rPr lang="en-US" dirty="0" smtClean="0"/>
-              <a:t>Tremors with Leap Motion</a:t>
-            </a:r>
-            <a:endParaRPr lang="en-US" dirty="0"/>
+        <p:spPr>
+          <a:xfrm>
+            <a:off x="304800" y="1882587"/>
+            <a:ext cx="8444753" cy="1757082"/>
+          </a:xfrm>
+        </p:spPr>
+        <p:txBody>
+          <a:bodyPr/>
+          <a:lstStyle/>
+          <a:p>
+            <a:pPr algn="ctr"/>
+            <a:r>
+              <a:rPr lang="en-US" sz="5400" dirty="0" smtClean="0"/>
+              <a:t>Tremor Detection </a:t>
+            </a:r>
+            <a:r>
+              <a:rPr lang="en-US" sz="5400" dirty="0" smtClean="0"/>
+              <a:t>with Leap Motion</a:t>
+            </a:r>
+            <a:endParaRPr lang="en-US" sz="5400" dirty="0"/>
           </a:p>
         </p:txBody>
       </p:sp>
@@ -5462,6 +5475,13 @@
   <p:clrMapOvr>
     <a:masterClrMapping/>
   </p:clrMapOvr>
+  <p:timing>
+    <p:tnLst>
+      <p:par>
+        <p:cTn id="1" dur="indefinite" restart="never" nodeType="tmRoot"/>
+      </p:par>
+    </p:tnLst>
+  </p:timing>
 </p:sld>
 </file>
 
@@ -5499,6 +5519,312 @@
           <a:p>
             <a:r>
               <a:rPr lang="en-US" dirty="0" smtClean="0"/>
+              <a:t>Solution Demonstration</a:t>
+            </a:r>
+            <a:endParaRPr lang="en-US" dirty="0"/>
+          </a:p>
+        </p:txBody>
+      </p:sp>
+      <p:pic>
+        <p:nvPicPr>
+          <p:cNvPr id="4" name="Picture 3" descr="Macintosh HD:Users:ng0kylan:Desktop:Screen Shot 2013-10-17 at 12.21.25 AM.png"/>
+          <p:cNvPicPr/>
+          <p:nvPr/>
+        </p:nvPicPr>
+        <p:blipFill rotWithShape="1">
+          <a:blip r:embed="rId2">
+            <a:extLst>
+              <a:ext uri="{28A0092B-C50C-407E-A947-70E740481C1C}">
+                <a14:useLocalDpi xmlns:a14="http://schemas.microsoft.com/office/drawing/2010/main" val="0"/>
+              </a:ext>
+            </a:extLst>
+          </a:blip>
+          <a:srcRect l="25861" t="15789" r="27268" b="6255"/>
+          <a:stretch/>
+        </p:blipFill>
+        <p:spPr bwMode="auto">
+          <a:xfrm>
+            <a:off x="1434354" y="1425388"/>
+            <a:ext cx="6382870" cy="5065059"/>
+          </a:xfrm>
+          <a:prstGeom prst="rect">
+            <a:avLst/>
+          </a:prstGeom>
+          <a:noFill/>
+          <a:ln>
+            <a:noFill/>
+          </a:ln>
+          <a:extLst>
+            <a:ext uri="{53640926-AAD7-44D8-BBD7-CCE9431645EC}">
+              <a14:shadowObscured xmlns:a14="http://schemas.microsoft.com/office/drawing/2010/main"/>
+            </a:ext>
+          </a:extLst>
+        </p:spPr>
+      </p:pic>
+    </p:spTree>
+    <p:extLst>
+      <p:ext uri="{BB962C8B-B14F-4D97-AF65-F5344CB8AC3E}">
+        <p14:creationId xmlns:p14="http://schemas.microsoft.com/office/powerpoint/2010/main" val="1031525654"/>
+      </p:ext>
+    </p:extLst>
+  </p:cSld>
+  <p:clrMapOvr>
+    <a:masterClrMapping/>
+  </p:clrMapOvr>
+  <p:timing>
+    <p:tnLst>
+      <p:par>
+        <p:cTn id="1" dur="indefinite" restart="never" nodeType="tmRoot"/>
+      </p:par>
+    </p:tnLst>
+  </p:timing>
+</p:sld>
+</file>
+
+<file path=ppt/slides/slide11.xml><?xml version="1.0" encoding="utf-8"?>
+<p:sld xmlns:a="http://schemas.openxmlformats.org/drawingml/2006/main" xmlns:r="http://schemas.openxmlformats.org/officeDocument/2006/relationships" xmlns:p="http://schemas.openxmlformats.org/presentationml/2006/main">
+  <p:cSld>
+    <p:spTree>
+      <p:nvGrpSpPr>
+        <p:cNvPr id="1" name=""/>
+        <p:cNvGrpSpPr/>
+        <p:nvPr/>
+      </p:nvGrpSpPr>
+      <p:grpSpPr>
+        <a:xfrm>
+          <a:off x="0" y="0"/>
+          <a:ext cx="0" cy="0"/>
+          <a:chOff x="0" y="0"/>
+          <a:chExt cx="0" cy="0"/>
+        </a:xfrm>
+      </p:grpSpPr>
+      <p:sp>
+        <p:nvSpPr>
+          <p:cNvPr id="2" name="Title 1"/>
+          <p:cNvSpPr>
+            <a:spLocks noGrp="1"/>
+          </p:cNvSpPr>
+          <p:nvPr>
+            <p:ph type="title"/>
+          </p:nvPr>
+        </p:nvSpPr>
+        <p:spPr/>
+        <p:txBody>
+          <a:bodyPr/>
+          <a:lstStyle/>
+          <a:p>
+            <a:r>
+              <a:rPr lang="en-US" dirty="0" smtClean="0"/>
+              <a:t>Solution Benefits</a:t>
+            </a:r>
+            <a:endParaRPr lang="en-US" dirty="0"/>
+          </a:p>
+        </p:txBody>
+      </p:sp>
+      <p:sp>
+        <p:nvSpPr>
+          <p:cNvPr id="3" name="Content Placeholder 2"/>
+          <p:cNvSpPr>
+            <a:spLocks noGrp="1"/>
+          </p:cNvSpPr>
+          <p:nvPr>
+            <p:ph idx="1"/>
+          </p:nvPr>
+        </p:nvSpPr>
+        <p:spPr/>
+        <p:txBody>
+          <a:bodyPr/>
+          <a:lstStyle/>
+          <a:p>
+            <a:r>
+              <a:rPr lang="en-US" dirty="0" smtClean="0"/>
+              <a:t>Results returned immediately after the test has been conducted</a:t>
+            </a:r>
+          </a:p>
+          <a:p>
+            <a:r>
+              <a:rPr lang="en-US" dirty="0" smtClean="0"/>
+              <a:t>Low entry costs to conduct analysis</a:t>
+            </a:r>
+          </a:p>
+          <a:p>
+            <a:r>
+              <a:rPr lang="en-US" dirty="0" smtClean="0"/>
+              <a:t>Minimal time required for setup and analysis</a:t>
+            </a:r>
+          </a:p>
+          <a:p>
+            <a:r>
+              <a:rPr lang="en-US" dirty="0" smtClean="0"/>
+              <a:t>Non-invasive to the individual</a:t>
+            </a:r>
+            <a:endParaRPr lang="en-US" dirty="0"/>
+          </a:p>
+        </p:txBody>
+      </p:sp>
+    </p:spTree>
+    <p:extLst>
+      <p:ext uri="{BB962C8B-B14F-4D97-AF65-F5344CB8AC3E}">
+        <p14:creationId xmlns:p14="http://schemas.microsoft.com/office/powerpoint/2010/main" val="743407292"/>
+      </p:ext>
+    </p:extLst>
+  </p:cSld>
+  <p:clrMapOvr>
+    <a:masterClrMapping/>
+  </p:clrMapOvr>
+  <p:timing>
+    <p:tnLst>
+      <p:par>
+        <p:cTn id="1" dur="indefinite" restart="never" nodeType="tmRoot"/>
+      </p:par>
+    </p:tnLst>
+  </p:timing>
+</p:sld>
+</file>
+
+<file path=ppt/slides/slide12.xml><?xml version="1.0" encoding="utf-8"?>
+<p:sld xmlns:a="http://schemas.openxmlformats.org/drawingml/2006/main" xmlns:r="http://schemas.openxmlformats.org/officeDocument/2006/relationships" xmlns:p="http://schemas.openxmlformats.org/presentationml/2006/main">
+  <p:cSld>
+    <p:spTree>
+      <p:nvGrpSpPr>
+        <p:cNvPr id="1" name=""/>
+        <p:cNvGrpSpPr/>
+        <p:nvPr/>
+      </p:nvGrpSpPr>
+      <p:grpSpPr>
+        <a:xfrm>
+          <a:off x="0" y="0"/>
+          <a:ext cx="0" cy="0"/>
+          <a:chOff x="0" y="0"/>
+          <a:chExt cx="0" cy="0"/>
+        </a:xfrm>
+      </p:grpSpPr>
+      <p:sp>
+        <p:nvSpPr>
+          <p:cNvPr id="2" name="Title 1"/>
+          <p:cNvSpPr>
+            <a:spLocks noGrp="1"/>
+          </p:cNvSpPr>
+          <p:nvPr>
+            <p:ph type="title"/>
+          </p:nvPr>
+        </p:nvSpPr>
+        <p:spPr/>
+        <p:txBody>
+          <a:bodyPr/>
+          <a:lstStyle/>
+          <a:p>
+            <a:r>
+              <a:rPr lang="en-US" dirty="0" smtClean="0"/>
+              <a:t>Future Improvements</a:t>
+            </a:r>
+            <a:endParaRPr lang="en-US" dirty="0"/>
+          </a:p>
+        </p:txBody>
+      </p:sp>
+      <p:sp>
+        <p:nvSpPr>
+          <p:cNvPr id="3" name="Content Placeholder 2"/>
+          <p:cNvSpPr>
+            <a:spLocks noGrp="1"/>
+          </p:cNvSpPr>
+          <p:nvPr>
+            <p:ph idx="1"/>
+          </p:nvPr>
+        </p:nvSpPr>
+        <p:spPr/>
+        <p:txBody>
+          <a:bodyPr/>
+          <a:lstStyle/>
+          <a:p>
+            <a:r>
+              <a:rPr lang="en-US" dirty="0" smtClean="0"/>
+              <a:t>Noise filtering to eliminate gross movements</a:t>
+            </a:r>
+          </a:p>
+          <a:p>
+            <a:r>
+              <a:rPr lang="en-US" dirty="0" smtClean="0"/>
+              <a:t>Cross browser compatibility</a:t>
+            </a:r>
+          </a:p>
+          <a:p>
+            <a:r>
+              <a:rPr lang="en-US" dirty="0" smtClean="0"/>
+              <a:t>Extended Functionality</a:t>
+            </a:r>
+          </a:p>
+          <a:p>
+            <a:pPr lvl="1"/>
+            <a:r>
+              <a:rPr lang="en-US" dirty="0" smtClean="0"/>
+              <a:t>Different tests for different types </a:t>
+            </a:r>
+            <a:r>
+              <a:rPr lang="en-US" smtClean="0"/>
+              <a:t>of tremor</a:t>
+            </a:r>
+          </a:p>
+          <a:p>
+            <a:pPr lvl="1"/>
+            <a:endParaRPr lang="en-US" dirty="0" smtClean="0"/>
+          </a:p>
+        </p:txBody>
+      </p:sp>
+    </p:spTree>
+    <p:extLst>
+      <p:ext uri="{BB962C8B-B14F-4D97-AF65-F5344CB8AC3E}">
+        <p14:creationId xmlns:p14="http://schemas.microsoft.com/office/powerpoint/2010/main" val="240932248"/>
+      </p:ext>
+    </p:extLst>
+  </p:cSld>
+  <p:clrMapOvr>
+    <a:masterClrMapping/>
+  </p:clrMapOvr>
+  <p:timing>
+    <p:tnLst>
+      <p:par>
+        <p:cTn id="1" dur="indefinite" restart="never" nodeType="tmRoot"/>
+      </p:par>
+    </p:tnLst>
+  </p:timing>
+</p:sld>
+</file>
+
+<file path=ppt/slides/slide13.xml><?xml version="1.0" encoding="utf-8"?>
+<p:sld xmlns:a="http://schemas.openxmlformats.org/drawingml/2006/main" xmlns:r="http://schemas.openxmlformats.org/officeDocument/2006/relationships" xmlns:p="http://schemas.openxmlformats.org/presentationml/2006/main">
+  <p:cSld>
+    <p:spTree>
+      <p:nvGrpSpPr>
+        <p:cNvPr id="1" name=""/>
+        <p:cNvGrpSpPr/>
+        <p:nvPr/>
+      </p:nvGrpSpPr>
+      <p:grpSpPr>
+        <a:xfrm>
+          <a:off x="0" y="0"/>
+          <a:ext cx="0" cy="0"/>
+          <a:chOff x="0" y="0"/>
+          <a:chExt cx="0" cy="0"/>
+        </a:xfrm>
+      </p:grpSpPr>
+      <p:sp>
+        <p:nvSpPr>
+          <p:cNvPr id="2" name="Title 1"/>
+          <p:cNvSpPr>
+            <a:spLocks noGrp="1"/>
+          </p:cNvSpPr>
+          <p:nvPr>
+            <p:ph type="title"/>
+          </p:nvPr>
+        </p:nvSpPr>
+        <p:spPr/>
+        <p:txBody>
+          <a:bodyPr/>
+          <a:lstStyle/>
+          <a:p>
+            <a:r>
+              <a:rPr lang="en-US" dirty="0" smtClean="0"/>
               <a:t>Thanks go to</a:t>
             </a:r>
             <a:endParaRPr lang="en-US" dirty="0"/>
@@ -5549,6 +5875,13 @@
   <p:clrMapOvr>
     <a:masterClrMapping/>
   </p:clrMapOvr>
+  <p:timing>
+    <p:tnLst>
+      <p:par>
+        <p:cTn id="1" dur="indefinite" restart="never" nodeType="tmRoot"/>
+      </p:par>
+    </p:tnLst>
+  </p:timing>
 </p:sld>
 </file>
 
@@ -5611,11 +5944,7 @@
           <a:p>
             <a:r>
               <a:rPr lang="en-US" dirty="0" smtClean="0"/>
-              <a:t>Joshua </a:t>
-            </a:r>
-            <a:r>
-              <a:rPr lang="en-US" dirty="0" smtClean="0"/>
-              <a:t>Stopper</a:t>
+              <a:t>Joshua Stopper</a:t>
             </a:r>
           </a:p>
           <a:p>
@@ -5624,7 +5953,6 @@
               <a:rPr lang="en-US" dirty="0" smtClean="0"/>
               <a:t>Team Leader, Programmer, Client Contact</a:t>
             </a:r>
-            <a:endParaRPr lang="en-US" dirty="0" smtClean="0"/>
           </a:p>
           <a:p>
             <a:r>
@@ -5633,15 +5961,7 @@
                   <a:srgbClr val="FFFFFF"/>
                 </a:solidFill>
               </a:rPr>
-              <a:t>Daniel </a:t>
-            </a:r>
-            <a:r>
-              <a:rPr lang="en-US" altLang="zh-CN" dirty="0" smtClean="0">
-                <a:solidFill>
-                  <a:srgbClr val="FFFFFF"/>
-                </a:solidFill>
-              </a:rPr>
-              <a:t>Corsaletti</a:t>
+              <a:t>Daniel Corsaletti</a:t>
             </a:r>
           </a:p>
           <a:p>
@@ -5654,11 +5974,6 @@
               </a:rPr>
               <a:t>Meeting Documenter, Team Support, Lead Tester</a:t>
             </a:r>
-            <a:endParaRPr lang="en-US" altLang="zh-CN" dirty="0" smtClean="0">
-              <a:solidFill>
-                <a:srgbClr val="FFFFFF"/>
-              </a:solidFill>
-            </a:endParaRPr>
           </a:p>
           <a:p>
             <a:r>
@@ -5667,15 +5982,7 @@
                   <a:srgbClr val="FFFFFF"/>
                 </a:solidFill>
               </a:rPr>
-              <a:t>Shengwei </a:t>
-            </a:r>
-            <a:r>
-              <a:rPr lang="en-US" altLang="zh-CN" dirty="0" smtClean="0">
-                <a:solidFill>
-                  <a:srgbClr val="FFFFFF"/>
-                </a:solidFill>
-              </a:rPr>
-              <a:t>LI</a:t>
+              <a:t>Shengwei LI</a:t>
             </a:r>
           </a:p>
           <a:p>
@@ -5688,11 +5995,6 @@
               </a:rPr>
               <a:t>Lead Documenter</a:t>
             </a:r>
-            <a:endParaRPr lang="en-US" altLang="zh-CN" dirty="0" smtClean="0">
-              <a:solidFill>
-                <a:srgbClr val="FFFFFF"/>
-              </a:solidFill>
-            </a:endParaRPr>
           </a:p>
           <a:p>
             <a:r>
@@ -5730,11 +6032,6 @@
               </a:rPr>
               <a:t>Support Programmer</a:t>
             </a:r>
-            <a:endParaRPr lang="en-US" altLang="zh-CN" dirty="0" smtClean="0">
-              <a:solidFill>
-                <a:srgbClr val="FFFFFF"/>
-              </a:solidFill>
-            </a:endParaRPr>
           </a:p>
           <a:p>
             <a:r>
@@ -5810,6 +6107,13 @@
   <p:clrMapOvr>
     <a:masterClrMapping/>
   </p:clrMapOvr>
+  <p:timing>
+    <p:tnLst>
+      <p:par>
+        <p:cTn id="1" dur="indefinite" restart="never" nodeType="tmRoot"/>
+      </p:par>
+    </p:tnLst>
+  </p:timing>
 </p:sld>
 </file>
 
@@ -5892,6 +6196,13 @@
   <p:clrMapOvr>
     <a:masterClrMapping/>
   </p:clrMapOvr>
+  <p:timing>
+    <p:tnLst>
+      <p:par>
+        <p:cTn id="1" dur="indefinite" restart="never" nodeType="tmRoot"/>
+      </p:par>
+    </p:tnLst>
+  </p:timing>
 </p:sld>
 </file>
 
@@ -5964,6 +6275,13 @@
   <p:clrMapOvr>
     <a:masterClrMapping/>
   </p:clrMapOvr>
+  <p:timing>
+    <p:tnLst>
+      <p:par>
+        <p:cTn id="1" dur="indefinite" restart="never" nodeType="tmRoot"/>
+      </p:par>
+    </p:tnLst>
+  </p:timing>
 </p:sld>
 </file>
 
@@ -6049,7 +6367,7 @@
   <p:timing>
     <p:tnLst>
       <p:par>
-        <p:cTn xmlns:p14="http://schemas.microsoft.com/office/powerpoint/2010/main" id="1" dur="indefinite" restart="never" nodeType="tmRoot"/>
+        <p:cTn id="1" dur="indefinite" restart="never" nodeType="tmRoot"/>
       </p:par>
     </p:tnLst>
   </p:timing>
@@ -6339,7 +6657,7 @@
   <p:timing>
     <p:tnLst>
       <p:par>
-        <p:cTn xmlns:p14="http://schemas.microsoft.com/office/powerpoint/2010/main" id="1" dur="indefinite" restart="never" nodeType="tmRoot"/>
+        <p:cTn id="1" dur="indefinite" restart="never" nodeType="tmRoot"/>
       </p:par>
     </p:tnLst>
   </p:timing>
@@ -6388,30 +6706,45 @@
       </p:sp>
       <p:pic>
         <p:nvPicPr>
-          <p:cNvPr id="7" name="Content Placeholder 6" descr="leap1.tiff">
-            <a:hlinkClick r:id="rId2"/>
-          </p:cNvPr>
-          <p:cNvPicPr>
-            <a:picLocks noGrp="1" noChangeAspect="1"/>
-          </p:cNvPicPr>
-          <p:nvPr>
-            <p:ph idx="1"/>
-          </p:nvPr>
+          <p:cNvPr id="5" name="Picture 4" descr="Macintosh HD:Users:ng0kylan:Desktop:Screen Shot 2013-10-17 at 12.20.05 AM.png"/>
+          <p:cNvPicPr/>
+          <p:nvPr/>
         </p:nvPicPr>
-        <p:blipFill>
-          <a:blip r:embed="rId3" cstate="print">
+        <p:blipFill rotWithShape="1">
+          <a:blip r:embed="rId2" cstate="email">
             <a:extLst>
               <a:ext uri="{28A0092B-C50C-407E-A947-70E740481C1C}">
                 <a14:useLocalDpi xmlns:a14="http://schemas.microsoft.com/office/drawing/2010/main" val="0"/>
               </a:ext>
             </a:extLst>
           </a:blip>
-          <a:srcRect t="1480" b="1480"/>
-          <a:stretch>
-            <a:fillRect/>
-          </a:stretch>
+          <a:srcRect l="18496" t="15793" r="2970" b="6261"/>
+          <a:stretch/>
         </p:blipFill>
-        <p:spPr/>
+        <p:spPr bwMode="auto">
+          <a:xfrm>
+            <a:off x="591671" y="1577789"/>
+            <a:ext cx="7942729" cy="4984375"/>
+          </a:xfrm>
+          <a:prstGeom prst="rect">
+            <a:avLst/>
+          </a:prstGeom>
+          <a:ln>
+            <a:noFill/>
+          </a:ln>
+          <a:effectLst>
+            <a:outerShdw blurRad="292100" dist="139700" dir="2700000" algn="tl" rotWithShape="0">
+              <a:srgbClr val="333333">
+                <a:alpha val="65000"/>
+              </a:srgbClr>
+            </a:outerShdw>
+          </a:effectLst>
+          <a:extLst>
+            <a:ext uri="{53640926-AAD7-44D8-BBD7-CCE9431645EC}">
+              <a14:shadowObscured xmlns:a14="http://schemas.microsoft.com/office/drawing/2010/main"/>
+            </a:ext>
+          </a:extLst>
+        </p:spPr>
       </p:pic>
     </p:spTree>
     <p:extLst>
@@ -6426,7 +6759,7 @@
   <p:timing>
     <p:tnLst>
       <p:par>
-        <p:cTn xmlns:p14="http://schemas.microsoft.com/office/powerpoint/2010/main" id="1" dur="indefinite" restart="never" nodeType="tmRoot"/>
+        <p:cTn id="1" dur="indefinite" restart="never" nodeType="tmRoot"/>
       </p:par>
     </p:tnLst>
   </p:timing>
@@ -6467,57 +6800,52 @@
           <a:p>
             <a:r>
               <a:rPr lang="en-US" dirty="0" smtClean="0"/>
-              <a:t>Solution Benefits</a:t>
+              <a:t>Solution Demonstration</a:t>
             </a:r>
             <a:endParaRPr lang="en-US" dirty="0"/>
           </a:p>
         </p:txBody>
       </p:sp>
-      <p:sp>
-        <p:nvSpPr>
-          <p:cNvPr id="3" name="Content Placeholder 2"/>
-          <p:cNvSpPr>
-            <a:spLocks noGrp="1"/>
-          </p:cNvSpPr>
-          <p:nvPr>
-            <p:ph idx="1"/>
-          </p:nvPr>
-        </p:nvSpPr>
-        <p:spPr/>
-        <p:txBody>
-          <a:bodyPr/>
-          <a:lstStyle/>
-          <a:p>
-            <a:r>
-              <a:rPr lang="en-US" dirty="0" smtClean="0"/>
-              <a:t>Results returned immediately after the test has been conducted</a:t>
-            </a:r>
-          </a:p>
-          <a:p>
-            <a:r>
-              <a:rPr lang="en-US" dirty="0" smtClean="0"/>
-              <a:t>Low entry costs to conduct analysis</a:t>
-            </a:r>
-          </a:p>
-          <a:p>
-            <a:r>
-              <a:rPr lang="en-US" dirty="0" smtClean="0"/>
-              <a:t>Minimal time required for setup and analysis</a:t>
-            </a:r>
-          </a:p>
-          <a:p>
-            <a:r>
-              <a:rPr lang="en-US" dirty="0" smtClean="0"/>
-              <a:t>Non-invasive to the individual</a:t>
-            </a:r>
-            <a:endParaRPr lang="en-US" dirty="0"/>
-          </a:p>
-        </p:txBody>
-      </p:sp>
+      <p:pic>
+        <p:nvPicPr>
+          <p:cNvPr id="5" name="Picture 4" descr="Macintosh HD:Users:ng0kylan:Desktop:Screen Shot 2013-10-17 at 12.47.55 AM.png"/>
+          <p:cNvPicPr/>
+          <p:nvPr/>
+        </p:nvPicPr>
+        <p:blipFill rotWithShape="1">
+          <a:blip r:embed="rId2" cstate="email">
+            <a:extLst>
+              <a:ext uri="{28A0092B-C50C-407E-A947-70E740481C1C}">
+                <a14:useLocalDpi xmlns:a14="http://schemas.microsoft.com/office/drawing/2010/main" val="0"/>
+              </a:ext>
+            </a:extLst>
+          </a:blip>
+          <a:srcRect l="8622" t="14536"/>
+          <a:stretch/>
+        </p:blipFill>
+        <p:spPr bwMode="auto">
+          <a:xfrm>
+            <a:off x="502024" y="1563369"/>
+            <a:ext cx="8068235" cy="4801571"/>
+          </a:xfrm>
+          <a:prstGeom prst="rect">
+            <a:avLst/>
+          </a:prstGeom>
+          <a:noFill/>
+          <a:ln>
+            <a:noFill/>
+          </a:ln>
+          <a:extLst>
+            <a:ext uri="{53640926-AAD7-44D8-BBD7-CCE9431645EC}">
+              <a14:shadowObscured xmlns:a14="http://schemas.microsoft.com/office/drawing/2010/main"/>
+            </a:ext>
+          </a:extLst>
+        </p:spPr>
+      </p:pic>
     </p:spTree>
     <p:extLst>
       <p:ext uri="{BB962C8B-B14F-4D97-AF65-F5344CB8AC3E}">
-        <p14:creationId xmlns:p14="http://schemas.microsoft.com/office/powerpoint/2010/main" val="743407292"/>
+        <p14:creationId xmlns:p14="http://schemas.microsoft.com/office/powerpoint/2010/main" val="510744095"/>
       </p:ext>
     </p:extLst>
   </p:cSld>
@@ -6527,7 +6855,7 @@
   <p:timing>
     <p:tnLst>
       <p:par>
-        <p:cTn xmlns:p14="http://schemas.microsoft.com/office/powerpoint/2010/main" id="1" dur="indefinite" restart="never" nodeType="tmRoot"/>
+        <p:cTn id="1" dur="indefinite" restart="never" nodeType="tmRoot"/>
       </p:par>
     </p:tnLst>
   </p:timing>
@@ -6568,65 +6896,52 @@
           <a:p>
             <a:r>
               <a:rPr lang="en-US" dirty="0" smtClean="0"/>
-              <a:t>Future Improvements</a:t>
+              <a:t>Solution Demonstration</a:t>
             </a:r>
             <a:endParaRPr lang="en-US" dirty="0"/>
           </a:p>
         </p:txBody>
       </p:sp>
-      <p:sp>
-        <p:nvSpPr>
-          <p:cNvPr id="3" name="Content Placeholder 2"/>
-          <p:cNvSpPr>
-            <a:spLocks noGrp="1"/>
-          </p:cNvSpPr>
-          <p:nvPr>
-            <p:ph idx="1"/>
-          </p:nvPr>
-        </p:nvSpPr>
-        <p:spPr/>
-        <p:txBody>
-          <a:bodyPr/>
-          <a:lstStyle/>
-          <a:p>
-            <a:r>
-              <a:rPr lang="en-US" dirty="0" smtClean="0"/>
-              <a:t>Noise filtering to eliminate gross movements</a:t>
-            </a:r>
-          </a:p>
-          <a:p>
-            <a:r>
-              <a:rPr lang="en-US" dirty="0" smtClean="0"/>
-              <a:t>Cross browser compatibility</a:t>
-            </a:r>
-          </a:p>
-          <a:p>
-            <a:r>
-              <a:rPr lang="en-US" dirty="0" smtClean="0"/>
-              <a:t>Extended Functionality</a:t>
-            </a:r>
-          </a:p>
-          <a:p>
-            <a:pPr lvl="1"/>
-            <a:r>
-              <a:rPr lang="en-US" dirty="0" smtClean="0"/>
-              <a:t>Different tests for different types </a:t>
-            </a:r>
-            <a:r>
-              <a:rPr lang="en-US" smtClean="0"/>
-              <a:t>of tremor</a:t>
-            </a:r>
-          </a:p>
-          <a:p>
-            <a:pPr lvl="1"/>
-            <a:endParaRPr lang="en-US" dirty="0" smtClean="0"/>
-          </a:p>
-        </p:txBody>
-      </p:sp>
+      <p:pic>
+        <p:nvPicPr>
+          <p:cNvPr id="5" name="Picture 4" descr="Macintosh HD:Users:ng0kylan:Desktop:Screen Shot 2013-10-17 at 12.52.19 AM.png"/>
+          <p:cNvPicPr/>
+          <p:nvPr/>
+        </p:nvPicPr>
+        <p:blipFill rotWithShape="1">
+          <a:blip r:embed="rId2" cstate="email">
+            <a:extLst>
+              <a:ext uri="{28A0092B-C50C-407E-A947-70E740481C1C}">
+                <a14:useLocalDpi xmlns:a14="http://schemas.microsoft.com/office/drawing/2010/main" val="0"/>
+              </a:ext>
+            </a:extLst>
+          </a:blip>
+          <a:srcRect l="15204" t="13033" r="2341" b="1240"/>
+          <a:stretch/>
+        </p:blipFill>
+        <p:spPr bwMode="auto">
+          <a:xfrm>
+            <a:off x="519953" y="1559859"/>
+            <a:ext cx="8086165" cy="4876800"/>
+          </a:xfrm>
+          <a:prstGeom prst="rect">
+            <a:avLst/>
+          </a:prstGeom>
+          <a:noFill/>
+          <a:ln>
+            <a:noFill/>
+          </a:ln>
+          <a:extLst>
+            <a:ext uri="{53640926-AAD7-44D8-BBD7-CCE9431645EC}">
+              <a14:shadowObscured xmlns:a14="http://schemas.microsoft.com/office/drawing/2010/main"/>
+            </a:ext>
+          </a:extLst>
+        </p:spPr>
+      </p:pic>
     </p:spTree>
     <p:extLst>
       <p:ext uri="{BB962C8B-B14F-4D97-AF65-F5344CB8AC3E}">
-        <p14:creationId xmlns:p14="http://schemas.microsoft.com/office/powerpoint/2010/main" val="240932248"/>
+        <p14:creationId xmlns:p14="http://schemas.microsoft.com/office/powerpoint/2010/main" val="510744095"/>
       </p:ext>
     </p:extLst>
   </p:cSld>
@@ -6636,7 +6951,7 @@
   <p:timing>
     <p:tnLst>
       <p:par>
-        <p:cTn xmlns:p14="http://schemas.microsoft.com/office/powerpoint/2010/main" id="1" dur="indefinite" restart="never" nodeType="tmRoot"/>
+        <p:cTn id="1" dur="indefinite" restart="never" nodeType="tmRoot"/>
       </p:par>
     </p:tnLst>
   </p:timing>

--- a/Presentaton slide/Final Presentation.pptx
+++ b/Presentaton slide/Final Presentation.pptx
@@ -351,7 +351,7 @@
           <a:p>
             <a:fld id="{D140825E-4A15-4D39-8176-1F07E904CB30}" type="datetimeFigureOut">
               <a:rPr lang="en-US" smtClean="0"/>
-              <a:t>5/11/2013</a:t>
+              <a:t>6/11/2013</a:t>
             </a:fld>
             <a:endParaRPr lang="en-US"/>
           </a:p>
@@ -442,7 +442,7 @@
           <a:p>
             <a:fld id="{D140825E-4A15-4D39-8176-1F07E904CB30}" type="datetimeFigureOut">
               <a:rPr lang="en-US" smtClean="0"/>
-              <a:t>5/11/2013</a:t>
+              <a:t>6/11/2013</a:t>
             </a:fld>
             <a:endParaRPr lang="en-US"/>
           </a:p>
@@ -745,7 +745,7 @@
           <a:p>
             <a:fld id="{D140825E-4A15-4D39-8176-1F07E904CB30}" type="datetimeFigureOut">
               <a:rPr lang="en-US" smtClean="0"/>
-              <a:t>5/11/2013</a:t>
+              <a:t>6/11/2013</a:t>
             </a:fld>
             <a:endParaRPr lang="en-US"/>
           </a:p>
@@ -966,7 +966,7 @@
           <a:p>
             <a:fld id="{D140825E-4A15-4D39-8176-1F07E904CB30}" type="datetimeFigureOut">
               <a:rPr lang="en-US" smtClean="0"/>
-              <a:t>5/11/2013</a:t>
+              <a:t>6/11/2013</a:t>
             </a:fld>
             <a:endParaRPr lang="en-US"/>
           </a:p>
@@ -1354,7 +1354,7 @@
           <a:p>
             <a:fld id="{D140825E-4A15-4D39-8176-1F07E904CB30}" type="datetimeFigureOut">
               <a:rPr lang="en-US" smtClean="0"/>
-              <a:t>5/11/2013</a:t>
+              <a:t>6/11/2013</a:t>
             </a:fld>
             <a:endParaRPr lang="en-US"/>
           </a:p>
@@ -1662,7 +1662,7 @@
           <a:p>
             <a:fld id="{D140825E-4A15-4D39-8176-1F07E904CB30}" type="datetimeFigureOut">
               <a:rPr lang="en-US" smtClean="0"/>
-              <a:t>5/11/2013</a:t>
+              <a:t>6/11/2013</a:t>
             </a:fld>
             <a:endParaRPr lang="en-US"/>
           </a:p>
@@ -1860,7 +1860,7 @@
           <a:p>
             <a:fld id="{D140825E-4A15-4D39-8176-1F07E904CB30}" type="datetimeFigureOut">
               <a:rPr lang="en-US" smtClean="0"/>
-              <a:t>5/11/2013</a:t>
+              <a:t>6/11/2013</a:t>
             </a:fld>
             <a:endParaRPr lang="en-US"/>
           </a:p>
@@ -2063,7 +2063,7 @@
           <a:p>
             <a:fld id="{D140825E-4A15-4D39-8176-1F07E904CB30}" type="datetimeFigureOut">
               <a:rPr lang="en-US" smtClean="0"/>
-              <a:t>5/11/2013</a:t>
+              <a:t>6/11/2013</a:t>
             </a:fld>
             <a:endParaRPr lang="en-US"/>
           </a:p>
@@ -2256,7 +2256,7 @@
           <a:p>
             <a:fld id="{D140825E-4A15-4D39-8176-1F07E904CB30}" type="datetimeFigureOut">
               <a:rPr lang="en-US" smtClean="0"/>
-              <a:t>5/11/2013</a:t>
+              <a:t>6/11/2013</a:t>
             </a:fld>
             <a:endParaRPr lang="en-US"/>
           </a:p>
@@ -2528,7 +2528,7 @@
           <a:p>
             <a:fld id="{D140825E-4A15-4D39-8176-1F07E904CB30}" type="datetimeFigureOut">
               <a:rPr lang="en-US" smtClean="0"/>
-              <a:t>5/11/2013</a:t>
+              <a:t>6/11/2013</a:t>
             </a:fld>
             <a:endParaRPr lang="en-US"/>
           </a:p>
@@ -2839,7 +2839,7 @@
           <a:p>
             <a:fld id="{D140825E-4A15-4D39-8176-1F07E904CB30}" type="datetimeFigureOut">
               <a:rPr lang="en-US" smtClean="0"/>
-              <a:t>5/11/2013</a:t>
+              <a:t>6/11/2013</a:t>
             </a:fld>
             <a:endParaRPr lang="en-US"/>
           </a:p>
@@ -3305,7 +3305,7 @@
           <a:p>
             <a:fld id="{D140825E-4A15-4D39-8176-1F07E904CB30}" type="datetimeFigureOut">
               <a:rPr lang="en-US" smtClean="0"/>
-              <a:t>5/11/2013</a:t>
+              <a:t>6/11/2013</a:t>
             </a:fld>
             <a:endParaRPr lang="en-US"/>
           </a:p>
@@ -3669,7 +3669,7 @@
           <a:p>
             <a:fld id="{D140825E-4A15-4D39-8176-1F07E904CB30}" type="datetimeFigureOut">
               <a:rPr lang="en-US" smtClean="0"/>
-              <a:t>5/11/2013</a:t>
+              <a:t>6/11/2013</a:t>
             </a:fld>
             <a:endParaRPr lang="en-US"/>
           </a:p>
@@ -3980,7 +3980,7 @@
           <a:p>
             <a:fld id="{D140825E-4A15-4D39-8176-1F07E904CB30}" type="datetimeFigureOut">
               <a:rPr lang="en-US" smtClean="0"/>
-              <a:t>5/11/2013</a:t>
+              <a:t>6/11/2013</a:t>
             </a:fld>
             <a:endParaRPr lang="en-US"/>
           </a:p>
@@ -4291,7 +4291,7 @@
           <a:p>
             <a:fld id="{D140825E-4A15-4D39-8176-1F07E904CB30}" type="datetimeFigureOut">
               <a:rPr lang="en-US" smtClean="0"/>
-              <a:t>5/11/2013</a:t>
+              <a:t>6/11/2013</a:t>
             </a:fld>
             <a:endParaRPr lang="en-US"/>
           </a:p>
@@ -4776,7 +4776,7 @@
           <a:p>
             <a:fld id="{D140825E-4A15-4D39-8176-1F07E904CB30}" type="datetimeFigureOut">
               <a:rPr lang="en-US" smtClean="0"/>
-              <a:t>5/11/2013</a:t>
+              <a:t>6/11/2013</a:t>
             </a:fld>
             <a:endParaRPr lang="en-US"/>
           </a:p>
@@ -5039,7 +5039,7 @@
           <a:p>
             <a:fld id="{D140825E-4A15-4D39-8176-1F07E904CB30}" type="datetimeFigureOut">
               <a:rPr lang="en-US" smtClean="0"/>
-              <a:t>5/11/2013</a:t>
+              <a:t>6/11/2013</a:t>
             </a:fld>
             <a:endParaRPr lang="en-US"/>
           </a:p>
@@ -5611,11 +5611,7 @@
           <a:p>
             <a:r>
               <a:rPr lang="en-US" dirty="0" smtClean="0"/>
-              <a:t>Joshua </a:t>
-            </a:r>
-            <a:r>
-              <a:rPr lang="en-US" dirty="0" smtClean="0"/>
-              <a:t>Stopper</a:t>
+              <a:t>Joshua Stopper</a:t>
             </a:r>
           </a:p>
           <a:p>
@@ -5624,7 +5620,6 @@
               <a:rPr lang="en-US" dirty="0" smtClean="0"/>
               <a:t>Team Leader, Programmer, Client Contact</a:t>
             </a:r>
-            <a:endParaRPr lang="en-US" dirty="0" smtClean="0"/>
           </a:p>
           <a:p>
             <a:r>
@@ -5633,15 +5628,7 @@
                   <a:srgbClr val="FFFFFF"/>
                 </a:solidFill>
               </a:rPr>
-              <a:t>Daniel </a:t>
-            </a:r>
-            <a:r>
-              <a:rPr lang="en-US" altLang="zh-CN" dirty="0" smtClean="0">
-                <a:solidFill>
-                  <a:srgbClr val="FFFFFF"/>
-                </a:solidFill>
-              </a:rPr>
-              <a:t>Corsaletti</a:t>
+              <a:t>Daniel Corsaletti</a:t>
             </a:r>
           </a:p>
           <a:p>
@@ -5654,11 +5641,6 @@
               </a:rPr>
               <a:t>Meeting Documenter, Team Support, Lead Tester</a:t>
             </a:r>
-            <a:endParaRPr lang="en-US" altLang="zh-CN" dirty="0" smtClean="0">
-              <a:solidFill>
-                <a:srgbClr val="FFFFFF"/>
-              </a:solidFill>
-            </a:endParaRPr>
           </a:p>
           <a:p>
             <a:r>
@@ -5667,15 +5649,7 @@
                   <a:srgbClr val="FFFFFF"/>
                 </a:solidFill>
               </a:rPr>
-              <a:t>Shengwei </a:t>
-            </a:r>
-            <a:r>
-              <a:rPr lang="en-US" altLang="zh-CN" dirty="0" smtClean="0">
-                <a:solidFill>
-                  <a:srgbClr val="FFFFFF"/>
-                </a:solidFill>
-              </a:rPr>
-              <a:t>LI</a:t>
+              <a:t>Shengwei LI</a:t>
             </a:r>
           </a:p>
           <a:p>
@@ -5688,11 +5662,6 @@
               </a:rPr>
               <a:t>Lead Documenter</a:t>
             </a:r>
-            <a:endParaRPr lang="en-US" altLang="zh-CN" dirty="0" smtClean="0">
-              <a:solidFill>
-                <a:srgbClr val="FFFFFF"/>
-              </a:solidFill>
-            </a:endParaRPr>
           </a:p>
           <a:p>
             <a:r>
@@ -5730,11 +5699,6 @@
               </a:rPr>
               <a:t>Support Programmer</a:t>
             </a:r>
-            <a:endParaRPr lang="en-US" altLang="zh-CN" dirty="0" smtClean="0">
-              <a:solidFill>
-                <a:srgbClr val="FFFFFF"/>
-              </a:solidFill>
-            </a:endParaRPr>
           </a:p>
           <a:p>
             <a:r>
@@ -6597,8 +6561,20 @@
           <a:p>
             <a:r>
               <a:rPr lang="en-US" dirty="0" smtClean="0"/>
-              <a:t>Cross browser compatibility</a:t>
-            </a:r>
+              <a:t>Cross browser </a:t>
+            </a:r>
+            <a:r>
+              <a:rPr lang="en-US" dirty="0" smtClean="0"/>
+              <a:t>compatibility</a:t>
+            </a:r>
+          </a:p>
+          <a:p>
+            <a:pPr lvl="1"/>
+            <a:r>
+              <a:rPr lang="en-US" dirty="0" smtClean="0"/>
+              <a:t>Visualization of the hand can be improved</a:t>
+            </a:r>
+            <a:endParaRPr lang="en-US" dirty="0" smtClean="0"/>
           </a:p>
           <a:p>
             <a:r>
@@ -6610,11 +6586,7 @@
             <a:pPr lvl="1"/>
             <a:r>
               <a:rPr lang="en-US" dirty="0" smtClean="0"/>
-              <a:t>Different tests for different types </a:t>
-            </a:r>
-            <a:r>
-              <a:rPr lang="en-US" smtClean="0"/>
-              <a:t>of tremor</a:t>
+              <a:t>Different tests for different types of tremor</a:t>
             </a:r>
           </a:p>
           <a:p>

--- a/Presentaton slide/Final Presentation.pptx
+++ b/Presentaton slide/Final Presentation.pptx
@@ -351,7 +351,7 @@
           <a:p>
             <a:fld id="{D140825E-4A15-4D39-8176-1F07E904CB30}" type="datetimeFigureOut">
               <a:rPr lang="en-US" smtClean="0"/>
-              <a:t>6/11/2013</a:t>
+              <a:t>5/11/2013</a:t>
             </a:fld>
             <a:endParaRPr lang="en-US"/>
           </a:p>
@@ -442,7 +442,7 @@
           <a:p>
             <a:fld id="{D140825E-4A15-4D39-8176-1F07E904CB30}" type="datetimeFigureOut">
               <a:rPr lang="en-US" smtClean="0"/>
-              <a:t>6/11/2013</a:t>
+              <a:t>5/11/2013</a:t>
             </a:fld>
             <a:endParaRPr lang="en-US"/>
           </a:p>
@@ -745,7 +745,7 @@
           <a:p>
             <a:fld id="{D140825E-4A15-4D39-8176-1F07E904CB30}" type="datetimeFigureOut">
               <a:rPr lang="en-US" smtClean="0"/>
-              <a:t>6/11/2013</a:t>
+              <a:t>5/11/2013</a:t>
             </a:fld>
             <a:endParaRPr lang="en-US"/>
           </a:p>
@@ -966,7 +966,7 @@
           <a:p>
             <a:fld id="{D140825E-4A15-4D39-8176-1F07E904CB30}" type="datetimeFigureOut">
               <a:rPr lang="en-US" smtClean="0"/>
-              <a:t>6/11/2013</a:t>
+              <a:t>5/11/2013</a:t>
             </a:fld>
             <a:endParaRPr lang="en-US"/>
           </a:p>
@@ -1354,7 +1354,7 @@
           <a:p>
             <a:fld id="{D140825E-4A15-4D39-8176-1F07E904CB30}" type="datetimeFigureOut">
               <a:rPr lang="en-US" smtClean="0"/>
-              <a:t>6/11/2013</a:t>
+              <a:t>5/11/2013</a:t>
             </a:fld>
             <a:endParaRPr lang="en-US"/>
           </a:p>
@@ -1662,7 +1662,7 @@
           <a:p>
             <a:fld id="{D140825E-4A15-4D39-8176-1F07E904CB30}" type="datetimeFigureOut">
               <a:rPr lang="en-US" smtClean="0"/>
-              <a:t>6/11/2013</a:t>
+              <a:t>5/11/2013</a:t>
             </a:fld>
             <a:endParaRPr lang="en-US"/>
           </a:p>
@@ -1860,7 +1860,7 @@
           <a:p>
             <a:fld id="{D140825E-4A15-4D39-8176-1F07E904CB30}" type="datetimeFigureOut">
               <a:rPr lang="en-US" smtClean="0"/>
-              <a:t>6/11/2013</a:t>
+              <a:t>5/11/2013</a:t>
             </a:fld>
             <a:endParaRPr lang="en-US"/>
           </a:p>
@@ -2063,7 +2063,7 @@
           <a:p>
             <a:fld id="{D140825E-4A15-4D39-8176-1F07E904CB30}" type="datetimeFigureOut">
               <a:rPr lang="en-US" smtClean="0"/>
-              <a:t>6/11/2013</a:t>
+              <a:t>5/11/2013</a:t>
             </a:fld>
             <a:endParaRPr lang="en-US"/>
           </a:p>
@@ -2256,7 +2256,7 @@
           <a:p>
             <a:fld id="{D140825E-4A15-4D39-8176-1F07E904CB30}" type="datetimeFigureOut">
               <a:rPr lang="en-US" smtClean="0"/>
-              <a:t>6/11/2013</a:t>
+              <a:t>5/11/2013</a:t>
             </a:fld>
             <a:endParaRPr lang="en-US"/>
           </a:p>
@@ -2528,7 +2528,7 @@
           <a:p>
             <a:fld id="{D140825E-4A15-4D39-8176-1F07E904CB30}" type="datetimeFigureOut">
               <a:rPr lang="en-US" smtClean="0"/>
-              <a:t>6/11/2013</a:t>
+              <a:t>5/11/2013</a:t>
             </a:fld>
             <a:endParaRPr lang="en-US"/>
           </a:p>
@@ -2839,7 +2839,7 @@
           <a:p>
             <a:fld id="{D140825E-4A15-4D39-8176-1F07E904CB30}" type="datetimeFigureOut">
               <a:rPr lang="en-US" smtClean="0"/>
-              <a:t>6/11/2013</a:t>
+              <a:t>5/11/2013</a:t>
             </a:fld>
             <a:endParaRPr lang="en-US"/>
           </a:p>
@@ -3305,7 +3305,7 @@
           <a:p>
             <a:fld id="{D140825E-4A15-4D39-8176-1F07E904CB30}" type="datetimeFigureOut">
               <a:rPr lang="en-US" smtClean="0"/>
-              <a:t>6/11/2013</a:t>
+              <a:t>5/11/2013</a:t>
             </a:fld>
             <a:endParaRPr lang="en-US"/>
           </a:p>
@@ -3669,7 +3669,7 @@
           <a:p>
             <a:fld id="{D140825E-4A15-4D39-8176-1F07E904CB30}" type="datetimeFigureOut">
               <a:rPr lang="en-US" smtClean="0"/>
-              <a:t>6/11/2013</a:t>
+              <a:t>5/11/2013</a:t>
             </a:fld>
             <a:endParaRPr lang="en-US"/>
           </a:p>
@@ -3980,7 +3980,7 @@
           <a:p>
             <a:fld id="{D140825E-4A15-4D39-8176-1F07E904CB30}" type="datetimeFigureOut">
               <a:rPr lang="en-US" smtClean="0"/>
-              <a:t>6/11/2013</a:t>
+              <a:t>5/11/2013</a:t>
             </a:fld>
             <a:endParaRPr lang="en-US"/>
           </a:p>
@@ -4291,7 +4291,7 @@
           <a:p>
             <a:fld id="{D140825E-4A15-4D39-8176-1F07E904CB30}" type="datetimeFigureOut">
               <a:rPr lang="en-US" smtClean="0"/>
-              <a:t>6/11/2013</a:t>
+              <a:t>5/11/2013</a:t>
             </a:fld>
             <a:endParaRPr lang="en-US"/>
           </a:p>
@@ -4776,7 +4776,7 @@
           <a:p>
             <a:fld id="{D140825E-4A15-4D39-8176-1F07E904CB30}" type="datetimeFigureOut">
               <a:rPr lang="en-US" smtClean="0"/>
-              <a:t>6/11/2013</a:t>
+              <a:t>5/11/2013</a:t>
             </a:fld>
             <a:endParaRPr lang="en-US"/>
           </a:p>
@@ -5039,7 +5039,7 @@
           <a:p>
             <a:fld id="{D140825E-4A15-4D39-8176-1F07E904CB30}" type="datetimeFigureOut">
               <a:rPr lang="en-US" smtClean="0"/>
-              <a:t>6/11/2013</a:t>
+              <a:t>5/11/2013</a:t>
             </a:fld>
             <a:endParaRPr lang="en-US"/>
           </a:p>
@@ -5611,7 +5611,11 @@
           <a:p>
             <a:r>
               <a:rPr lang="en-US" dirty="0" smtClean="0"/>
-              <a:t>Joshua Stopper</a:t>
+              <a:t>Joshua </a:t>
+            </a:r>
+            <a:r>
+              <a:rPr lang="en-US" dirty="0" smtClean="0"/>
+              <a:t>Stopper</a:t>
             </a:r>
           </a:p>
           <a:p>
@@ -5620,6 +5624,7 @@
               <a:rPr lang="en-US" dirty="0" smtClean="0"/>
               <a:t>Team Leader, Programmer, Client Contact</a:t>
             </a:r>
+            <a:endParaRPr lang="en-US" dirty="0" smtClean="0"/>
           </a:p>
           <a:p>
             <a:r>
@@ -5628,7 +5633,15 @@
                   <a:srgbClr val="FFFFFF"/>
                 </a:solidFill>
               </a:rPr>
-              <a:t>Daniel Corsaletti</a:t>
+              <a:t>Daniel </a:t>
+            </a:r>
+            <a:r>
+              <a:rPr lang="en-US" altLang="zh-CN" dirty="0" smtClean="0">
+                <a:solidFill>
+                  <a:srgbClr val="FFFFFF"/>
+                </a:solidFill>
+              </a:rPr>
+              <a:t>Corsaletti</a:t>
             </a:r>
           </a:p>
           <a:p>
@@ -5641,6 +5654,11 @@
               </a:rPr>
               <a:t>Meeting Documenter, Team Support, Lead Tester</a:t>
             </a:r>
+            <a:endParaRPr lang="en-US" altLang="zh-CN" dirty="0" smtClean="0">
+              <a:solidFill>
+                <a:srgbClr val="FFFFFF"/>
+              </a:solidFill>
+            </a:endParaRPr>
           </a:p>
           <a:p>
             <a:r>
@@ -5649,7 +5667,15 @@
                   <a:srgbClr val="FFFFFF"/>
                 </a:solidFill>
               </a:rPr>
-              <a:t>Shengwei LI</a:t>
+              <a:t>Shengwei </a:t>
+            </a:r>
+            <a:r>
+              <a:rPr lang="en-US" altLang="zh-CN" dirty="0" smtClean="0">
+                <a:solidFill>
+                  <a:srgbClr val="FFFFFF"/>
+                </a:solidFill>
+              </a:rPr>
+              <a:t>LI</a:t>
             </a:r>
           </a:p>
           <a:p>
@@ -5662,6 +5688,11 @@
               </a:rPr>
               <a:t>Lead Documenter</a:t>
             </a:r>
+            <a:endParaRPr lang="en-US" altLang="zh-CN" dirty="0" smtClean="0">
+              <a:solidFill>
+                <a:srgbClr val="FFFFFF"/>
+              </a:solidFill>
+            </a:endParaRPr>
           </a:p>
           <a:p>
             <a:r>
@@ -5699,6 +5730,11 @@
               </a:rPr>
               <a:t>Support Programmer</a:t>
             </a:r>
+            <a:endParaRPr lang="en-US" altLang="zh-CN" dirty="0" smtClean="0">
+              <a:solidFill>
+                <a:srgbClr val="FFFFFF"/>
+              </a:solidFill>
+            </a:endParaRPr>
           </a:p>
           <a:p>
             <a:r>
@@ -6561,20 +6597,8 @@
           <a:p>
             <a:r>
               <a:rPr lang="en-US" dirty="0" smtClean="0"/>
-              <a:t>Cross browser </a:t>
-            </a:r>
-            <a:r>
-              <a:rPr lang="en-US" dirty="0" smtClean="0"/>
-              <a:t>compatibility</a:t>
-            </a:r>
-          </a:p>
-          <a:p>
-            <a:pPr lvl="1"/>
-            <a:r>
-              <a:rPr lang="en-US" dirty="0" smtClean="0"/>
-              <a:t>Visualization of the hand can be improved</a:t>
-            </a:r>
-            <a:endParaRPr lang="en-US" dirty="0" smtClean="0"/>
+              <a:t>Cross browser compatibility</a:t>
+            </a:r>
           </a:p>
           <a:p>
             <a:r>
@@ -6586,7 +6610,11 @@
             <a:pPr lvl="1"/>
             <a:r>
               <a:rPr lang="en-US" dirty="0" smtClean="0"/>
-              <a:t>Different tests for different types of tremor</a:t>
+              <a:t>Different tests for different types </a:t>
+            </a:r>
+            <a:r>
+              <a:rPr lang="en-US" smtClean="0"/>
+              <a:t>of tremor</a:t>
             </a:r>
           </a:p>
           <a:p>

--- a/Presentaton slide/Final Presentation.pptx
+++ b/Presentaton slide/Final Presentation.pptx
@@ -351,7 +351,7 @@
           <a:p>
             <a:fld id="{D140825E-4A15-4D39-8176-1F07E904CB30}" type="datetimeFigureOut">
               <a:rPr lang="en-US" smtClean="0"/>
-              <a:t>5/11/2013</a:t>
+              <a:t>7/11/2013</a:t>
             </a:fld>
             <a:endParaRPr lang="en-US"/>
           </a:p>
@@ -442,7 +442,7 @@
           <a:p>
             <a:fld id="{D140825E-4A15-4D39-8176-1F07E904CB30}" type="datetimeFigureOut">
               <a:rPr lang="en-US" smtClean="0"/>
-              <a:t>5/11/2013</a:t>
+              <a:t>7/11/2013</a:t>
             </a:fld>
             <a:endParaRPr lang="en-US"/>
           </a:p>
@@ -745,7 +745,7 @@
           <a:p>
             <a:fld id="{D140825E-4A15-4D39-8176-1F07E904CB30}" type="datetimeFigureOut">
               <a:rPr lang="en-US" smtClean="0"/>
-              <a:t>5/11/2013</a:t>
+              <a:t>7/11/2013</a:t>
             </a:fld>
             <a:endParaRPr lang="en-US"/>
           </a:p>
@@ -966,7 +966,7 @@
           <a:p>
             <a:fld id="{D140825E-4A15-4D39-8176-1F07E904CB30}" type="datetimeFigureOut">
               <a:rPr lang="en-US" smtClean="0"/>
-              <a:t>5/11/2013</a:t>
+              <a:t>7/11/2013</a:t>
             </a:fld>
             <a:endParaRPr lang="en-US"/>
           </a:p>
@@ -1354,7 +1354,7 @@
           <a:p>
             <a:fld id="{D140825E-4A15-4D39-8176-1F07E904CB30}" type="datetimeFigureOut">
               <a:rPr lang="en-US" smtClean="0"/>
-              <a:t>5/11/2013</a:t>
+              <a:t>7/11/2013</a:t>
             </a:fld>
             <a:endParaRPr lang="en-US"/>
           </a:p>
@@ -1662,7 +1662,7 @@
           <a:p>
             <a:fld id="{D140825E-4A15-4D39-8176-1F07E904CB30}" type="datetimeFigureOut">
               <a:rPr lang="en-US" smtClean="0"/>
-              <a:t>5/11/2013</a:t>
+              <a:t>7/11/2013</a:t>
             </a:fld>
             <a:endParaRPr lang="en-US"/>
           </a:p>
@@ -1860,7 +1860,7 @@
           <a:p>
             <a:fld id="{D140825E-4A15-4D39-8176-1F07E904CB30}" type="datetimeFigureOut">
               <a:rPr lang="en-US" smtClean="0"/>
-              <a:t>5/11/2013</a:t>
+              <a:t>7/11/2013</a:t>
             </a:fld>
             <a:endParaRPr lang="en-US"/>
           </a:p>
@@ -2063,7 +2063,7 @@
           <a:p>
             <a:fld id="{D140825E-4A15-4D39-8176-1F07E904CB30}" type="datetimeFigureOut">
               <a:rPr lang="en-US" smtClean="0"/>
-              <a:t>5/11/2013</a:t>
+              <a:t>7/11/2013</a:t>
             </a:fld>
             <a:endParaRPr lang="en-US"/>
           </a:p>
@@ -2256,7 +2256,7 @@
           <a:p>
             <a:fld id="{D140825E-4A15-4D39-8176-1F07E904CB30}" type="datetimeFigureOut">
               <a:rPr lang="en-US" smtClean="0"/>
-              <a:t>5/11/2013</a:t>
+              <a:t>7/11/2013</a:t>
             </a:fld>
             <a:endParaRPr lang="en-US"/>
           </a:p>
@@ -2528,7 +2528,7 @@
           <a:p>
             <a:fld id="{D140825E-4A15-4D39-8176-1F07E904CB30}" type="datetimeFigureOut">
               <a:rPr lang="en-US" smtClean="0"/>
-              <a:t>5/11/2013</a:t>
+              <a:t>7/11/2013</a:t>
             </a:fld>
             <a:endParaRPr lang="en-US"/>
           </a:p>
@@ -2839,7 +2839,7 @@
           <a:p>
             <a:fld id="{D140825E-4A15-4D39-8176-1F07E904CB30}" type="datetimeFigureOut">
               <a:rPr lang="en-US" smtClean="0"/>
-              <a:t>5/11/2013</a:t>
+              <a:t>7/11/2013</a:t>
             </a:fld>
             <a:endParaRPr lang="en-US"/>
           </a:p>
@@ -3305,7 +3305,7 @@
           <a:p>
             <a:fld id="{D140825E-4A15-4D39-8176-1F07E904CB30}" type="datetimeFigureOut">
               <a:rPr lang="en-US" smtClean="0"/>
-              <a:t>5/11/2013</a:t>
+              <a:t>7/11/2013</a:t>
             </a:fld>
             <a:endParaRPr lang="en-US"/>
           </a:p>
@@ -3669,7 +3669,7 @@
           <a:p>
             <a:fld id="{D140825E-4A15-4D39-8176-1F07E904CB30}" type="datetimeFigureOut">
               <a:rPr lang="en-US" smtClean="0"/>
-              <a:t>5/11/2013</a:t>
+              <a:t>7/11/2013</a:t>
             </a:fld>
             <a:endParaRPr lang="en-US"/>
           </a:p>
@@ -3980,7 +3980,7 @@
           <a:p>
             <a:fld id="{D140825E-4A15-4D39-8176-1F07E904CB30}" type="datetimeFigureOut">
               <a:rPr lang="en-US" smtClean="0"/>
-              <a:t>5/11/2013</a:t>
+              <a:t>7/11/2013</a:t>
             </a:fld>
             <a:endParaRPr lang="en-US"/>
           </a:p>
@@ -4291,7 +4291,7 @@
           <a:p>
             <a:fld id="{D140825E-4A15-4D39-8176-1F07E904CB30}" type="datetimeFigureOut">
               <a:rPr lang="en-US" smtClean="0"/>
-              <a:t>5/11/2013</a:t>
+              <a:t>7/11/2013</a:t>
             </a:fld>
             <a:endParaRPr lang="en-US"/>
           </a:p>
@@ -4776,7 +4776,7 @@
           <a:p>
             <a:fld id="{D140825E-4A15-4D39-8176-1F07E904CB30}" type="datetimeFigureOut">
               <a:rPr lang="en-US" smtClean="0"/>
-              <a:t>5/11/2013</a:t>
+              <a:t>7/11/2013</a:t>
             </a:fld>
             <a:endParaRPr lang="en-US"/>
           </a:p>
@@ -5039,7 +5039,7 @@
           <a:p>
             <a:fld id="{D140825E-4A15-4D39-8176-1F07E904CB30}" type="datetimeFigureOut">
               <a:rPr lang="en-US" smtClean="0"/>
-              <a:t>5/11/2013</a:t>
+              <a:t>7/11/2013</a:t>
             </a:fld>
             <a:endParaRPr lang="en-US"/>
           </a:p>
@@ -5534,8 +5534,19 @@
           <a:p>
             <a:r>
               <a:rPr lang="en-US" dirty="0" smtClean="0"/>
-              <a:t>Caslon Chua</a:t>
-            </a:r>
+              <a:t>Caslon </a:t>
+            </a:r>
+            <a:r>
+              <a:rPr lang="en-US" dirty="0" smtClean="0"/>
+              <a:t>Chua</a:t>
+            </a:r>
+          </a:p>
+          <a:p>
+            <a:r>
+              <a:rPr lang="en-US" dirty="0" smtClean="0"/>
+              <a:t>Swinburne University</a:t>
+            </a:r>
+            <a:endParaRPr lang="en-US" dirty="0" smtClean="0"/>
           </a:p>
         </p:txBody>
       </p:sp>
@@ -5611,11 +5622,7 @@
           <a:p>
             <a:r>
               <a:rPr lang="en-US" dirty="0" smtClean="0"/>
-              <a:t>Joshua </a:t>
-            </a:r>
-            <a:r>
-              <a:rPr lang="en-US" dirty="0" smtClean="0"/>
-              <a:t>Stopper</a:t>
+              <a:t>Joshua Stopper</a:t>
             </a:r>
           </a:p>
           <a:p>
@@ -5624,7 +5631,6 @@
               <a:rPr lang="en-US" dirty="0" smtClean="0"/>
               <a:t>Team Leader, Programmer, Client Contact</a:t>
             </a:r>
-            <a:endParaRPr lang="en-US" dirty="0" smtClean="0"/>
           </a:p>
           <a:p>
             <a:r>
@@ -5633,15 +5639,7 @@
                   <a:srgbClr val="FFFFFF"/>
                 </a:solidFill>
               </a:rPr>
-              <a:t>Daniel </a:t>
-            </a:r>
-            <a:r>
-              <a:rPr lang="en-US" altLang="zh-CN" dirty="0" smtClean="0">
-                <a:solidFill>
-                  <a:srgbClr val="FFFFFF"/>
-                </a:solidFill>
-              </a:rPr>
-              <a:t>Corsaletti</a:t>
+              <a:t>Daniel Corsaletti</a:t>
             </a:r>
           </a:p>
           <a:p>
@@ -5654,11 +5652,6 @@
               </a:rPr>
               <a:t>Meeting Documenter, Team Support, Lead Tester</a:t>
             </a:r>
-            <a:endParaRPr lang="en-US" altLang="zh-CN" dirty="0" smtClean="0">
-              <a:solidFill>
-                <a:srgbClr val="FFFFFF"/>
-              </a:solidFill>
-            </a:endParaRPr>
           </a:p>
           <a:p>
             <a:r>
@@ -5667,15 +5660,7 @@
                   <a:srgbClr val="FFFFFF"/>
                 </a:solidFill>
               </a:rPr>
-              <a:t>Shengwei </a:t>
-            </a:r>
-            <a:r>
-              <a:rPr lang="en-US" altLang="zh-CN" dirty="0" smtClean="0">
-                <a:solidFill>
-                  <a:srgbClr val="FFFFFF"/>
-                </a:solidFill>
-              </a:rPr>
-              <a:t>LI</a:t>
+              <a:t>Shengwei LI</a:t>
             </a:r>
           </a:p>
           <a:p>
@@ -5688,11 +5673,6 @@
               </a:rPr>
               <a:t>Lead Documenter</a:t>
             </a:r>
-            <a:endParaRPr lang="en-US" altLang="zh-CN" dirty="0" smtClean="0">
-              <a:solidFill>
-                <a:srgbClr val="FFFFFF"/>
-              </a:solidFill>
-            </a:endParaRPr>
           </a:p>
           <a:p>
             <a:r>
@@ -5730,11 +5710,6 @@
               </a:rPr>
               <a:t>Support Programmer</a:t>
             </a:r>
-            <a:endParaRPr lang="en-US" altLang="zh-CN" dirty="0" smtClean="0">
-              <a:solidFill>
-                <a:srgbClr val="FFFFFF"/>
-              </a:solidFill>
-            </a:endParaRPr>
           </a:p>
           <a:p>
             <a:r>
@@ -5950,7 +5925,49 @@
           <a:bodyPr/>
           <a:lstStyle/>
           <a:p>
+            <a:r>
+              <a:rPr lang="en-US" dirty="0" smtClean="0"/>
+              <a:t>Tremor analysis is not a straightforward process</a:t>
+            </a:r>
+          </a:p>
+          <a:p>
             <a:endParaRPr lang="en-US" dirty="0"/>
+          </a:p>
+          <a:p>
+            <a:r>
+              <a:rPr lang="en-US" dirty="0" smtClean="0"/>
+              <a:t>Currently it requires</a:t>
+            </a:r>
+          </a:p>
+          <a:p>
+            <a:pPr lvl="1"/>
+            <a:r>
+              <a:rPr lang="en-US" dirty="0" smtClean="0"/>
+              <a:t>Time</a:t>
+            </a:r>
+          </a:p>
+          <a:p>
+            <a:pPr lvl="1"/>
+            <a:r>
+              <a:rPr lang="en-US" dirty="0" smtClean="0"/>
+              <a:t>Money</a:t>
+            </a:r>
+          </a:p>
+          <a:p>
+            <a:pPr lvl="1"/>
+            <a:r>
+              <a:rPr lang="en-US" dirty="0" smtClean="0"/>
+              <a:t>Room</a:t>
+            </a:r>
+          </a:p>
+          <a:p>
+            <a:endParaRPr lang="en-US" dirty="0"/>
+          </a:p>
+          <a:p>
+            <a:r>
+              <a:rPr lang="en-US" dirty="0" smtClean="0"/>
+              <a:t>Not very user friendly, for doctors or patients</a:t>
+            </a:r>
           </a:p>
         </p:txBody>
       </p:sp>
@@ -6586,39 +6603,88 @@
         </p:nvSpPr>
         <p:spPr/>
         <p:txBody>
-          <a:bodyPr/>
+          <a:bodyPr>
+            <a:normAutofit/>
+          </a:bodyPr>
           <a:lstStyle/>
           <a:p>
             <a:r>
               <a:rPr lang="en-US" dirty="0" smtClean="0"/>
-              <a:t>Noise filtering to eliminate gross movements</a:t>
-            </a:r>
-          </a:p>
-          <a:p>
+              <a:t>Improvement to the hand </a:t>
+            </a:r>
+            <a:r>
+              <a:rPr lang="en-US" dirty="0" err="1" smtClean="0"/>
+              <a:t>visualiser</a:t>
+            </a:r>
+            <a:endParaRPr lang="en-US" dirty="0" smtClean="0"/>
+          </a:p>
+          <a:p>
+            <a:pPr lvl="1"/>
+            <a:r>
+              <a:rPr lang="en-US" dirty="0" err="1" smtClean="0"/>
+              <a:t>WebGL</a:t>
+            </a:r>
             <a:r>
               <a:rPr lang="en-US" dirty="0" smtClean="0"/>
-              <a:t>Cross browser compatibility</a:t>
-            </a:r>
-          </a:p>
-          <a:p>
+              <a:t> or 3.js</a:t>
+            </a:r>
+          </a:p>
+          <a:p>
+            <a:pPr lvl="1"/>
             <a:r>
               <a:rPr lang="en-US" dirty="0" smtClean="0"/>
-              <a:t>Extended Functionality</a:t>
+              <a:t>Enable cross browser </a:t>
+            </a:r>
+            <a:r>
+              <a:rPr lang="en-US" dirty="0" err="1" smtClean="0"/>
+              <a:t>compatability</a:t>
+            </a:r>
+            <a:endParaRPr lang="en-US" dirty="0" smtClean="0"/>
+          </a:p>
+          <a:p>
+            <a:r>
+              <a:rPr lang="en-US" dirty="0" smtClean="0"/>
+              <a:t>Improved </a:t>
+            </a:r>
+            <a:r>
+              <a:rPr lang="en-US" dirty="0"/>
+              <a:t>c</a:t>
+            </a:r>
+            <a:r>
+              <a:rPr lang="en-US" dirty="0" smtClean="0"/>
+              <a:t>ode base for improved readability and extensibility</a:t>
+            </a:r>
+          </a:p>
+          <a:p>
+            <a:r>
+              <a:rPr lang="en-US" dirty="0" smtClean="0"/>
+              <a:t>Noise </a:t>
+            </a:r>
+            <a:r>
+              <a:rPr lang="en-US" dirty="0" smtClean="0"/>
+              <a:t>filtering to eliminate gross movements</a:t>
+            </a:r>
+          </a:p>
+          <a:p>
+            <a:r>
+              <a:rPr lang="en-US" dirty="0" smtClean="0"/>
+              <a:t>Extended </a:t>
+            </a:r>
+            <a:r>
+              <a:rPr lang="en-US" dirty="0" smtClean="0"/>
+              <a:t>Functionality</a:t>
             </a:r>
           </a:p>
           <a:p>
             <a:pPr lvl="1"/>
             <a:r>
               <a:rPr lang="en-US" dirty="0" smtClean="0"/>
-              <a:t>Different tests for different types </a:t>
-            </a:r>
-            <a:r>
-              <a:rPr lang="en-US" smtClean="0"/>
-              <a:t>of tremor</a:t>
-            </a:r>
-          </a:p>
-          <a:p>
-            <a:pPr lvl="1"/>
+              <a:t>Different tests for different types of </a:t>
+            </a:r>
+            <a:r>
+              <a:rPr lang="en-US" dirty="0" smtClean="0"/>
+              <a:t>tremor</a:t>
+            </a:r>
             <a:endParaRPr lang="en-US" dirty="0" smtClean="0"/>
           </a:p>
         </p:txBody>

--- a/Presentaton slide/Final Presentation.pptx
+++ b/Presentaton slide/Final Presentation.pptx
@@ -17,7 +17,8 @@
     <p:sldId id="268" r:id="rId11"/>
     <p:sldId id="262" r:id="rId12"/>
     <p:sldId id="263" r:id="rId13"/>
-    <p:sldId id="265" r:id="rId14"/>
+    <p:sldId id="269" r:id="rId14"/>
+    <p:sldId id="265" r:id="rId15"/>
   </p:sldIdLst>
   <p:sldSz cx="9144000" cy="6858000" type="screen4x3"/>
   <p:notesSz cx="6858000" cy="9144000"/>
@@ -354,7 +355,7 @@
           <a:p>
             <a:fld id="{D140825E-4A15-4D39-8176-1F07E904CB30}" type="datetimeFigureOut">
               <a:rPr lang="en-US" smtClean="0"/>
-              <a:t>11/6/2013</a:t>
+              <a:t>7/11/2013</a:t>
             </a:fld>
             <a:endParaRPr lang="en-US"/>
           </a:p>
@@ -445,7 +446,7 @@
           <a:p>
             <a:fld id="{D140825E-4A15-4D39-8176-1F07E904CB30}" type="datetimeFigureOut">
               <a:rPr lang="en-US" smtClean="0"/>
-              <a:t>11/6/2013</a:t>
+              <a:t>7/11/2013</a:t>
             </a:fld>
             <a:endParaRPr lang="en-US"/>
           </a:p>
@@ -748,7 +749,7 @@
           <a:p>
             <a:fld id="{D140825E-4A15-4D39-8176-1F07E904CB30}" type="datetimeFigureOut">
               <a:rPr lang="en-US" smtClean="0"/>
-              <a:t>11/6/2013</a:t>
+              <a:t>7/11/2013</a:t>
             </a:fld>
             <a:endParaRPr lang="en-US"/>
           </a:p>
@@ -969,7 +970,7 @@
           <a:p>
             <a:fld id="{D140825E-4A15-4D39-8176-1F07E904CB30}" type="datetimeFigureOut">
               <a:rPr lang="en-US" smtClean="0"/>
-              <a:t>11/6/2013</a:t>
+              <a:t>7/11/2013</a:t>
             </a:fld>
             <a:endParaRPr lang="en-US"/>
           </a:p>
@@ -1357,7 +1358,7 @@
           <a:p>
             <a:fld id="{D140825E-4A15-4D39-8176-1F07E904CB30}" type="datetimeFigureOut">
               <a:rPr lang="en-US" smtClean="0"/>
-              <a:t>11/6/2013</a:t>
+              <a:t>7/11/2013</a:t>
             </a:fld>
             <a:endParaRPr lang="en-US"/>
           </a:p>
@@ -1665,7 +1666,7 @@
           <a:p>
             <a:fld id="{D140825E-4A15-4D39-8176-1F07E904CB30}" type="datetimeFigureOut">
               <a:rPr lang="en-US" smtClean="0"/>
-              <a:t>11/6/2013</a:t>
+              <a:t>7/11/2013</a:t>
             </a:fld>
             <a:endParaRPr lang="en-US"/>
           </a:p>
@@ -1863,7 +1864,7 @@
           <a:p>
             <a:fld id="{D140825E-4A15-4D39-8176-1F07E904CB30}" type="datetimeFigureOut">
               <a:rPr lang="en-US" smtClean="0"/>
-              <a:t>11/6/2013</a:t>
+              <a:t>7/11/2013</a:t>
             </a:fld>
             <a:endParaRPr lang="en-US"/>
           </a:p>
@@ -2066,7 +2067,7 @@
           <a:p>
             <a:fld id="{D140825E-4A15-4D39-8176-1F07E904CB30}" type="datetimeFigureOut">
               <a:rPr lang="en-US" smtClean="0"/>
-              <a:t>11/6/2013</a:t>
+              <a:t>7/11/2013</a:t>
             </a:fld>
             <a:endParaRPr lang="en-US"/>
           </a:p>
@@ -2259,7 +2260,7 @@
           <a:p>
             <a:fld id="{D140825E-4A15-4D39-8176-1F07E904CB30}" type="datetimeFigureOut">
               <a:rPr lang="en-US" smtClean="0"/>
-              <a:t>11/6/2013</a:t>
+              <a:t>7/11/2013</a:t>
             </a:fld>
             <a:endParaRPr lang="en-US"/>
           </a:p>
@@ -2531,7 +2532,7 @@
           <a:p>
             <a:fld id="{D140825E-4A15-4D39-8176-1F07E904CB30}" type="datetimeFigureOut">
               <a:rPr lang="en-US" smtClean="0"/>
-              <a:t>11/6/2013</a:t>
+              <a:t>7/11/2013</a:t>
             </a:fld>
             <a:endParaRPr lang="en-US"/>
           </a:p>
@@ -2842,7 +2843,7 @@
           <a:p>
             <a:fld id="{D140825E-4A15-4D39-8176-1F07E904CB30}" type="datetimeFigureOut">
               <a:rPr lang="en-US" smtClean="0"/>
-              <a:t>11/6/2013</a:t>
+              <a:t>7/11/2013</a:t>
             </a:fld>
             <a:endParaRPr lang="en-US"/>
           </a:p>
@@ -3308,7 +3309,7 @@
           <a:p>
             <a:fld id="{D140825E-4A15-4D39-8176-1F07E904CB30}" type="datetimeFigureOut">
               <a:rPr lang="en-US" smtClean="0"/>
-              <a:t>11/6/2013</a:t>
+              <a:t>7/11/2013</a:t>
             </a:fld>
             <a:endParaRPr lang="en-US"/>
           </a:p>
@@ -3672,7 +3673,7 @@
           <a:p>
             <a:fld id="{D140825E-4A15-4D39-8176-1F07E904CB30}" type="datetimeFigureOut">
               <a:rPr lang="en-US" smtClean="0"/>
-              <a:t>11/6/2013</a:t>
+              <a:t>7/11/2013</a:t>
             </a:fld>
             <a:endParaRPr lang="en-US"/>
           </a:p>
@@ -3983,7 +3984,7 @@
           <a:p>
             <a:fld id="{D140825E-4A15-4D39-8176-1F07E904CB30}" type="datetimeFigureOut">
               <a:rPr lang="en-US" smtClean="0"/>
-              <a:t>11/6/2013</a:t>
+              <a:t>7/11/2013</a:t>
             </a:fld>
             <a:endParaRPr lang="en-US"/>
           </a:p>
@@ -4294,7 +4295,7 @@
           <a:p>
             <a:fld id="{D140825E-4A15-4D39-8176-1F07E904CB30}" type="datetimeFigureOut">
               <a:rPr lang="en-US" smtClean="0"/>
-              <a:t>11/6/2013</a:t>
+              <a:t>7/11/2013</a:t>
             </a:fld>
             <a:endParaRPr lang="en-US"/>
           </a:p>
@@ -4779,7 +4780,7 @@
           <a:p>
             <a:fld id="{D140825E-4A15-4D39-8176-1F07E904CB30}" type="datetimeFigureOut">
               <a:rPr lang="en-US" smtClean="0"/>
-              <a:t>11/6/2013</a:t>
+              <a:t>7/11/2013</a:t>
             </a:fld>
             <a:endParaRPr lang="en-US"/>
           </a:p>
@@ -5042,7 +5043,7 @@
           <a:p>
             <a:fld id="{D140825E-4A15-4D39-8176-1F07E904CB30}" type="datetimeFigureOut">
               <a:rPr lang="en-US" smtClean="0"/>
-              <a:t>11/6/2013</a:t>
+              <a:t>7/11/2013</a:t>
             </a:fld>
             <a:endParaRPr lang="en-US"/>
           </a:p>
@@ -5436,11 +5437,7 @@
             <a:pPr algn="ctr"/>
             <a:r>
               <a:rPr lang="en-US" sz="5400" dirty="0" smtClean="0"/>
-              <a:t>Tremor Detection </a:t>
-            </a:r>
-            <a:r>
-              <a:rPr lang="en-US" sz="5400" dirty="0" smtClean="0"/>
-              <a:t>with Leap Motion</a:t>
+              <a:t>Tremor Detection with Leap Motion</a:t>
             </a:r>
             <a:endParaRPr lang="en-US" sz="5400" dirty="0"/>
           </a:p>
@@ -5478,7 +5475,7 @@
   <p:timing>
     <p:tnLst>
       <p:par>
-        <p:cTn id="1" dur="indefinite" restart="never" nodeType="tmRoot"/>
+        <p:cTn xmlns:p14="http://schemas.microsoft.com/office/powerpoint/2010/main" id="1" dur="indefinite" restart="never" nodeType="tmRoot"/>
       </p:par>
     </p:tnLst>
   </p:timing>
@@ -5555,7 +5552,7 @@
             <a:noFill/>
           </a:ln>
           <a:extLst>
-            <a:ext uri="{53640926-AAD7-44D8-BBD7-CCE9431645EC}">
+            <a:ext uri="{53640926-AAD7-44d8-BBD7-CCE9431645EC}">
               <a14:shadowObscured xmlns:a14="http://schemas.microsoft.com/office/drawing/2010/main"/>
             </a:ext>
           </a:extLst>
@@ -5574,7 +5571,7 @@
   <p:timing>
     <p:tnLst>
       <p:par>
-        <p:cTn id="1" dur="indefinite" restart="never" nodeType="tmRoot"/>
+        <p:cTn xmlns:p14="http://schemas.microsoft.com/office/powerpoint/2010/main" id="1" dur="indefinite" restart="never" nodeType="tmRoot"/>
       </p:par>
     </p:tnLst>
   </p:timing>
@@ -5675,7 +5672,7 @@
   <p:timing>
     <p:tnLst>
       <p:par>
-        <p:cTn id="1" dur="indefinite" restart="never" nodeType="tmRoot"/>
+        <p:cTn xmlns:p14="http://schemas.microsoft.com/office/powerpoint/2010/main" id="1" dur="indefinite" restart="never" nodeType="tmRoot"/>
       </p:par>
     </p:tnLst>
   </p:timing>
@@ -5734,36 +5731,78 @@
         </p:nvSpPr>
         <p:spPr/>
         <p:txBody>
-          <a:bodyPr/>
-          <a:lstStyle/>
-          <a:p>
-            <a:r>
-              <a:rPr lang="en-US" dirty="0" smtClean="0"/>
+          <a:bodyPr>
+            <a:normAutofit fontScale="92500"/>
+          </a:bodyPr>
+          <a:lstStyle/>
+          <a:p>
+            <a:pPr>
+              <a:buFont typeface="Wingdings" charset="2"/>
+              <a:buChar char="v"/>
+            </a:pPr>
+            <a:r>
+              <a:rPr lang="en-US" sz="2800" dirty="0" smtClean="0"/>
               <a:t>Noise filtering to eliminate gross movements</a:t>
             </a:r>
           </a:p>
           <a:p>
-            <a:r>
-              <a:rPr lang="en-US" dirty="0" smtClean="0"/>
+            <a:pPr>
+              <a:buFont typeface="Wingdings" charset="2"/>
+              <a:buChar char="v"/>
+            </a:pPr>
+            <a:r>
+              <a:rPr lang="en-US" sz="2800" dirty="0" smtClean="0"/>
               <a:t>Cross browser compatibility</a:t>
             </a:r>
           </a:p>
           <a:p>
-            <a:r>
-              <a:rPr lang="en-US" dirty="0" smtClean="0"/>
+            <a:pPr>
+              <a:buFont typeface="Wingdings" charset="2"/>
+              <a:buChar char="v"/>
+            </a:pPr>
+            <a:r>
+              <a:rPr lang="en-US" sz="2800" dirty="0" smtClean="0"/>
               <a:t>Extended Functionality</a:t>
             </a:r>
           </a:p>
           <a:p>
             <a:pPr lvl="1"/>
             <a:r>
-              <a:rPr lang="en-US" dirty="0" smtClean="0"/>
-              <a:t>Different tests for different types </a:t>
-            </a:r>
-            <a:r>
-              <a:rPr lang="en-US" smtClean="0"/>
-              <a:t>of tremor</a:t>
-            </a:r>
+              <a:rPr lang="en-US" sz="2800" dirty="0" smtClean="0"/>
+              <a:t>Different tests for different types of </a:t>
+            </a:r>
+            <a:r>
+              <a:rPr lang="en-US" sz="2800" dirty="0" smtClean="0"/>
+              <a:t>tremor</a:t>
+            </a:r>
+          </a:p>
+          <a:p>
+            <a:pPr lvl="1"/>
+            <a:r>
+              <a:rPr lang="en-US" sz="2800" dirty="0" smtClean="0"/>
+              <a:t>Apply more testing activities:</a:t>
+            </a:r>
+          </a:p>
+          <a:p>
+            <a:pPr lvl="2"/>
+            <a:r>
+              <a:rPr lang="en-US" sz="2800" dirty="0" smtClean="0"/>
+              <a:t>Using Pencil to draw a straight line</a:t>
+            </a:r>
+          </a:p>
+          <a:p>
+            <a:pPr lvl="2"/>
+            <a:r>
+              <a:rPr lang="en-US" sz="2800" dirty="0" smtClean="0"/>
+              <a:t>Hold a stick and point to different points</a:t>
+            </a:r>
+          </a:p>
+          <a:p>
+            <a:pPr lvl="2">
+              <a:buFont typeface="Wingdings" charset="2"/>
+              <a:buChar char="§"/>
+            </a:pPr>
+            <a:endParaRPr lang="en-US" dirty="0" smtClean="0"/>
           </a:p>
           <a:p>
             <a:pPr lvl="1"/>
@@ -5784,7 +5823,7 @@
   <p:timing>
     <p:tnLst>
       <p:par>
-        <p:cTn id="1" dur="indefinite" restart="never" nodeType="tmRoot"/>
+        <p:cTn xmlns:p14="http://schemas.microsoft.com/office/powerpoint/2010/main" id="1" dur="indefinite" restart="never" nodeType="tmRoot"/>
       </p:par>
     </p:tnLst>
   </p:timing>
@@ -5824,6 +5863,142 @@
           <a:lstStyle/>
           <a:p>
             <a:r>
+              <a:rPr lang="en-US" dirty="0"/>
+              <a:t>What we </a:t>
+            </a:r>
+            <a:r>
+              <a:rPr lang="en-US" dirty="0" smtClean="0"/>
+              <a:t>learned</a:t>
+            </a:r>
+            <a:endParaRPr lang="en-US" dirty="0"/>
+          </a:p>
+        </p:txBody>
+      </p:sp>
+      <p:sp>
+        <p:nvSpPr>
+          <p:cNvPr id="3" name="Content Placeholder 2"/>
+          <p:cNvSpPr>
+            <a:spLocks noGrp="1"/>
+          </p:cNvSpPr>
+          <p:nvPr>
+            <p:ph idx="1"/>
+          </p:nvPr>
+        </p:nvSpPr>
+        <p:spPr/>
+        <p:txBody>
+          <a:bodyPr/>
+          <a:lstStyle/>
+          <a:p>
+            <a:endParaRPr lang="en-US" dirty="0"/>
+          </a:p>
+          <a:p>
+            <a:pPr lvl="1"/>
+            <a:r>
+              <a:rPr lang="en-US" sz="2800" dirty="0"/>
+              <a:t>Work with </a:t>
+            </a:r>
+            <a:r>
+              <a:rPr lang="en-US" sz="2800" dirty="0" smtClean="0"/>
+              <a:t>clients</a:t>
+            </a:r>
+          </a:p>
+          <a:p>
+            <a:pPr lvl="1"/>
+            <a:r>
+              <a:rPr lang="en-US" sz="2800" dirty="0" smtClean="0"/>
+              <a:t>Project management</a:t>
+            </a:r>
+            <a:endParaRPr lang="en-US" sz="2800" dirty="0"/>
+          </a:p>
+          <a:p>
+            <a:pPr lvl="1"/>
+            <a:r>
+              <a:rPr lang="en-US" sz="2800" dirty="0" smtClean="0"/>
+              <a:t>Teamwork</a:t>
+            </a:r>
+          </a:p>
+          <a:p>
+            <a:pPr lvl="1"/>
+            <a:r>
+              <a:rPr lang="en-US" sz="2800" dirty="0" smtClean="0"/>
+              <a:t>Software </a:t>
+            </a:r>
+            <a:r>
+              <a:rPr lang="en-US" sz="2800" smtClean="0"/>
+              <a:t>Version Control</a:t>
+            </a:r>
+            <a:endParaRPr lang="en-US" sz="2800" dirty="0"/>
+          </a:p>
+          <a:p>
+            <a:pPr lvl="1"/>
+            <a:r>
+              <a:rPr lang="en-US" sz="2800" dirty="0"/>
+              <a:t>Communication</a:t>
+            </a:r>
+          </a:p>
+          <a:p>
+            <a:pPr lvl="1"/>
+            <a:r>
+              <a:rPr lang="en-US" sz="2800" dirty="0"/>
+              <a:t>Generating Idea &amp; Solution</a:t>
+            </a:r>
+            <a:endParaRPr lang="en-US" sz="2800" dirty="0"/>
+          </a:p>
+        </p:txBody>
+      </p:sp>
+    </p:spTree>
+    <p:extLst>
+      <p:ext uri="{BB962C8B-B14F-4D97-AF65-F5344CB8AC3E}">
+        <p14:creationId xmlns:p14="http://schemas.microsoft.com/office/powerpoint/2010/main" val="3412436452"/>
+      </p:ext>
+    </p:extLst>
+  </p:cSld>
+  <p:clrMapOvr>
+    <a:masterClrMapping/>
+  </p:clrMapOvr>
+  <p:timing>
+    <p:tnLst>
+      <p:par>
+        <p:cTn xmlns:p14="http://schemas.microsoft.com/office/powerpoint/2010/main" id="1" dur="indefinite" restart="never" nodeType="tmRoot"/>
+      </p:par>
+    </p:tnLst>
+  </p:timing>
+</p:sld>
+</file>
+
+<file path=ppt/slides/slide14.xml><?xml version="1.0" encoding="utf-8"?>
+<p:sld xmlns:a="http://schemas.openxmlformats.org/drawingml/2006/main" xmlns:r="http://schemas.openxmlformats.org/officeDocument/2006/relationships" xmlns:p="http://schemas.openxmlformats.org/presentationml/2006/main">
+  <p:cSld>
+    <p:spTree>
+      <p:nvGrpSpPr>
+        <p:cNvPr id="1" name=""/>
+        <p:cNvGrpSpPr/>
+        <p:nvPr/>
+      </p:nvGrpSpPr>
+      <p:grpSpPr>
+        <a:xfrm>
+          <a:off x="0" y="0"/>
+          <a:ext cx="0" cy="0"/>
+          <a:chOff x="0" y="0"/>
+          <a:chExt cx="0" cy="0"/>
+        </a:xfrm>
+      </p:grpSpPr>
+      <p:sp>
+        <p:nvSpPr>
+          <p:cNvPr id="2" name="Title 1"/>
+          <p:cNvSpPr>
+            <a:spLocks noGrp="1"/>
+          </p:cNvSpPr>
+          <p:nvPr>
+            <p:ph type="title"/>
+          </p:nvPr>
+        </p:nvSpPr>
+        <p:spPr/>
+        <p:txBody>
+          <a:bodyPr/>
+          <a:lstStyle/>
+          <a:p>
+            <a:r>
               <a:rPr lang="en-US" dirty="0" smtClean="0"/>
               <a:t>Thanks go to</a:t>
             </a:r>
@@ -5878,7 +6053,7 @@
   <p:timing>
     <p:tnLst>
       <p:par>
-        <p:cTn id="1" dur="indefinite" restart="never" nodeType="tmRoot"/>
+        <p:cTn xmlns:p14="http://schemas.microsoft.com/office/powerpoint/2010/main" id="1" dur="indefinite" restart="never" nodeType="tmRoot"/>
       </p:par>
     </p:tnLst>
   </p:timing>
@@ -6110,7 +6285,7 @@
   <p:timing>
     <p:tnLst>
       <p:par>
-        <p:cTn id="1" dur="indefinite" restart="never" nodeType="tmRoot"/>
+        <p:cTn xmlns:p14="http://schemas.microsoft.com/office/powerpoint/2010/main" id="1" dur="indefinite" restart="never" nodeType="tmRoot"/>
       </p:par>
     </p:tnLst>
   </p:timing>
@@ -6199,7 +6374,7 @@
   <p:timing>
     <p:tnLst>
       <p:par>
-        <p:cTn id="1" dur="indefinite" restart="never" nodeType="tmRoot"/>
+        <p:cTn xmlns:p14="http://schemas.microsoft.com/office/powerpoint/2010/main" id="1" dur="indefinite" restart="never" nodeType="tmRoot"/>
       </p:par>
     </p:tnLst>
   </p:timing>
@@ -6278,7 +6453,7 @@
   <p:timing>
     <p:tnLst>
       <p:par>
-        <p:cTn id="1" dur="indefinite" restart="never" nodeType="tmRoot"/>
+        <p:cTn xmlns:p14="http://schemas.microsoft.com/office/powerpoint/2010/main" id="1" dur="indefinite" restart="never" nodeType="tmRoot"/>
       </p:par>
     </p:tnLst>
   </p:timing>
@@ -6367,7 +6542,7 @@
   <p:timing>
     <p:tnLst>
       <p:par>
-        <p:cTn id="1" dur="indefinite" restart="never" nodeType="tmRoot"/>
+        <p:cTn xmlns:p14="http://schemas.microsoft.com/office/powerpoint/2010/main" id="1" dur="indefinite" restart="never" nodeType="tmRoot"/>
       </p:par>
     </p:tnLst>
   </p:timing>
@@ -6657,7 +6832,7 @@
   <p:timing>
     <p:tnLst>
       <p:par>
-        <p:cTn id="1" dur="indefinite" restart="never" nodeType="tmRoot"/>
+        <p:cTn xmlns:p14="http://schemas.microsoft.com/office/powerpoint/2010/main" id="1" dur="indefinite" restart="never" nodeType="tmRoot"/>
       </p:par>
     </p:tnLst>
   </p:timing>
@@ -6740,7 +6915,7 @@
             </a:outerShdw>
           </a:effectLst>
           <a:extLst>
-            <a:ext uri="{53640926-AAD7-44D8-BBD7-CCE9431645EC}">
+            <a:ext uri="{53640926-AAD7-44d8-BBD7-CCE9431645EC}">
               <a14:shadowObscured xmlns:a14="http://schemas.microsoft.com/office/drawing/2010/main"/>
             </a:ext>
           </a:extLst>
@@ -6759,7 +6934,7 @@
   <p:timing>
     <p:tnLst>
       <p:par>
-        <p:cTn id="1" dur="indefinite" restart="never" nodeType="tmRoot"/>
+        <p:cTn xmlns:p14="http://schemas.microsoft.com/office/powerpoint/2010/main" id="1" dur="indefinite" restart="never" nodeType="tmRoot"/>
       </p:par>
     </p:tnLst>
   </p:timing>
@@ -6836,7 +7011,7 @@
             <a:noFill/>
           </a:ln>
           <a:extLst>
-            <a:ext uri="{53640926-AAD7-44D8-BBD7-CCE9431645EC}">
+            <a:ext uri="{53640926-AAD7-44d8-BBD7-CCE9431645EC}">
               <a14:shadowObscured xmlns:a14="http://schemas.microsoft.com/office/drawing/2010/main"/>
             </a:ext>
           </a:extLst>
@@ -6855,7 +7030,7 @@
   <p:timing>
     <p:tnLst>
       <p:par>
-        <p:cTn id="1" dur="indefinite" restart="never" nodeType="tmRoot"/>
+        <p:cTn xmlns:p14="http://schemas.microsoft.com/office/powerpoint/2010/main" id="1" dur="indefinite" restart="never" nodeType="tmRoot"/>
       </p:par>
     </p:tnLst>
   </p:timing>
@@ -6932,7 +7107,7 @@
             <a:noFill/>
           </a:ln>
           <a:extLst>
-            <a:ext uri="{53640926-AAD7-44D8-BBD7-CCE9431645EC}">
+            <a:ext uri="{53640926-AAD7-44d8-BBD7-CCE9431645EC}">
               <a14:shadowObscured xmlns:a14="http://schemas.microsoft.com/office/drawing/2010/main"/>
             </a:ext>
           </a:extLst>
@@ -6951,7 +7126,7 @@
   <p:timing>
     <p:tnLst>
       <p:par>
-        <p:cTn id="1" dur="indefinite" restart="never" nodeType="tmRoot"/>
+        <p:cTn xmlns:p14="http://schemas.microsoft.com/office/powerpoint/2010/main" id="1" dur="indefinite" restart="never" nodeType="tmRoot"/>
       </p:par>
     </p:tnLst>
   </p:timing>
